--- a/305-객체/305-1.함수객체.pptx
+++ b/305-객체/305-1.함수객체.pptx
@@ -229,7 +229,7 @@
           <a:p>
             <a:fld id="{5E4E8C10-BA6A-46EF-9AC6-CCF2B00288F3}" type="datetimeFigureOut">
               <a:rPr lang="ko-KR" altLang="en-US" smtClean="0"/>
-              <a:t>2023-05-20</a:t>
+              <a:t>2023-05-26</a:t>
             </a:fld>
             <a:endParaRPr lang="ko-KR" altLang="en-US"/>
           </a:p>
@@ -643,7 +643,7 @@
           <a:p>
             <a:fld id="{214B6A64-D24F-4071-AD57-3F4E16F7593E}" type="datetimeFigureOut">
               <a:rPr lang="ko-KR" altLang="en-US" smtClean="0"/>
-              <a:t>2023-05-20</a:t>
+              <a:t>2023-05-26</a:t>
             </a:fld>
             <a:endParaRPr lang="ko-KR" altLang="en-US"/>
           </a:p>
@@ -841,7 +841,7 @@
           <a:p>
             <a:fld id="{214B6A64-D24F-4071-AD57-3F4E16F7593E}" type="datetimeFigureOut">
               <a:rPr lang="ko-KR" altLang="en-US" smtClean="0"/>
-              <a:t>2023-05-20</a:t>
+              <a:t>2023-05-26</a:t>
             </a:fld>
             <a:endParaRPr lang="ko-KR" altLang="en-US"/>
           </a:p>
@@ -1049,7 +1049,7 @@
           <a:p>
             <a:fld id="{214B6A64-D24F-4071-AD57-3F4E16F7593E}" type="datetimeFigureOut">
               <a:rPr lang="ko-KR" altLang="en-US" smtClean="0"/>
-              <a:t>2023-05-20</a:t>
+              <a:t>2023-05-26</a:t>
             </a:fld>
             <a:endParaRPr lang="ko-KR" altLang="en-US"/>
           </a:p>
@@ -1247,7 +1247,7 @@
           <a:p>
             <a:fld id="{214B6A64-D24F-4071-AD57-3F4E16F7593E}" type="datetimeFigureOut">
               <a:rPr lang="ko-KR" altLang="en-US" smtClean="0"/>
-              <a:t>2023-05-20</a:t>
+              <a:t>2023-05-26</a:t>
             </a:fld>
             <a:endParaRPr lang="ko-KR" altLang="en-US"/>
           </a:p>
@@ -1522,7 +1522,7 @@
           <a:p>
             <a:fld id="{214B6A64-D24F-4071-AD57-3F4E16F7593E}" type="datetimeFigureOut">
               <a:rPr lang="ko-KR" altLang="en-US" smtClean="0"/>
-              <a:t>2023-05-20</a:t>
+              <a:t>2023-05-26</a:t>
             </a:fld>
             <a:endParaRPr lang="ko-KR" altLang="en-US"/>
           </a:p>
@@ -1787,7 +1787,7 @@
           <a:p>
             <a:fld id="{214B6A64-D24F-4071-AD57-3F4E16F7593E}" type="datetimeFigureOut">
               <a:rPr lang="ko-KR" altLang="en-US" smtClean="0"/>
-              <a:t>2023-05-20</a:t>
+              <a:t>2023-05-26</a:t>
             </a:fld>
             <a:endParaRPr lang="ko-KR" altLang="en-US"/>
           </a:p>
@@ -2199,7 +2199,7 @@
           <a:p>
             <a:fld id="{214B6A64-D24F-4071-AD57-3F4E16F7593E}" type="datetimeFigureOut">
               <a:rPr lang="ko-KR" altLang="en-US" smtClean="0"/>
-              <a:t>2023-05-20</a:t>
+              <a:t>2023-05-26</a:t>
             </a:fld>
             <a:endParaRPr lang="ko-KR" altLang="en-US"/>
           </a:p>
@@ -2340,7 +2340,7 @@
           <a:p>
             <a:fld id="{214B6A64-D24F-4071-AD57-3F4E16F7593E}" type="datetimeFigureOut">
               <a:rPr lang="ko-KR" altLang="en-US" smtClean="0"/>
-              <a:t>2023-05-20</a:t>
+              <a:t>2023-05-26</a:t>
             </a:fld>
             <a:endParaRPr lang="ko-KR" altLang="en-US"/>
           </a:p>
@@ -2453,7 +2453,7 @@
           <a:p>
             <a:fld id="{214B6A64-D24F-4071-AD57-3F4E16F7593E}" type="datetimeFigureOut">
               <a:rPr lang="ko-KR" altLang="en-US" smtClean="0"/>
-              <a:t>2023-05-20</a:t>
+              <a:t>2023-05-26</a:t>
             </a:fld>
             <a:endParaRPr lang="ko-KR" altLang="en-US"/>
           </a:p>
@@ -2764,7 +2764,7 @@
           <a:p>
             <a:fld id="{214B6A64-D24F-4071-AD57-3F4E16F7593E}" type="datetimeFigureOut">
               <a:rPr lang="ko-KR" altLang="en-US" smtClean="0"/>
-              <a:t>2023-05-20</a:t>
+              <a:t>2023-05-26</a:t>
             </a:fld>
             <a:endParaRPr lang="ko-KR" altLang="en-US"/>
           </a:p>
@@ -3052,7 +3052,7 @@
           <a:p>
             <a:fld id="{214B6A64-D24F-4071-AD57-3F4E16F7593E}" type="datetimeFigureOut">
               <a:rPr lang="ko-KR" altLang="en-US" smtClean="0"/>
-              <a:t>2023-05-20</a:t>
+              <a:t>2023-05-26</a:t>
             </a:fld>
             <a:endParaRPr lang="ko-KR" altLang="en-US"/>
           </a:p>
@@ -3293,7 +3293,7 @@
           <a:p>
             <a:fld id="{214B6A64-D24F-4071-AD57-3F4E16F7593E}" type="datetimeFigureOut">
               <a:rPr lang="ko-KR" altLang="en-US" smtClean="0"/>
-              <a:t>2023-05-20</a:t>
+              <a:t>2023-05-26</a:t>
             </a:fld>
             <a:endParaRPr lang="ko-KR" altLang="en-US"/>
           </a:p>
@@ -4070,372 +4070,6 @@
           </a:p>
         </p:txBody>
       </p:sp>
-      <p:sp>
-        <p:nvSpPr>
-          <p:cNvPr id="2" name="텍스트 개체 틀 8">
-            <a:extLst>
-              <a:ext uri="{FF2B5EF4-FFF2-40B4-BE49-F238E27FC236}">
-                <a16:creationId xmlns:a16="http://schemas.microsoft.com/office/drawing/2014/main" id="{5525E1A2-BA3B-A21B-33BC-F2E0A7417E01}"/>
-              </a:ext>
-            </a:extLst>
-          </p:cNvPr>
-          <p:cNvSpPr txBox="1">
-            <a:spLocks/>
-          </p:cNvSpPr>
-          <p:nvPr/>
-        </p:nvSpPr>
-        <p:spPr>
-          <a:xfrm>
-            <a:off x="563215" y="1168794"/>
-            <a:ext cx="11281052" cy="4999638"/>
-          </a:xfrm>
-          <a:prstGeom prst="rect">
-            <a:avLst/>
-          </a:prstGeom>
-        </p:spPr>
-        <p:txBody>
-          <a:bodyPr>
-            <a:normAutofit/>
-          </a:bodyPr>
-          <a:lstStyle>
-            <a:lvl1pPr marL="228600" indent="-228600" algn="l" defTabSz="914400" rtl="0" eaLnBrk="1" latinLnBrk="1" hangingPunct="1">
-              <a:lnSpc>
-                <a:spcPct val="90000"/>
-              </a:lnSpc>
-              <a:spcBef>
-                <a:spcPts val="1000"/>
-              </a:spcBef>
-              <a:buFont typeface="Arial" panose="020B0604020202020204" pitchFamily="34" charset="0"/>
-              <a:buChar char="•"/>
-              <a:defRPr sz="2800" kern="1200">
-                <a:solidFill>
-                  <a:schemeClr val="tx1"/>
-                </a:solidFill>
-                <a:latin typeface="+mn-lt"/>
-                <a:ea typeface="+mn-ea"/>
-                <a:cs typeface="+mn-cs"/>
-              </a:defRPr>
-            </a:lvl1pPr>
-            <a:lvl2pPr marL="685800" indent="-228600" algn="l" defTabSz="914400" rtl="0" eaLnBrk="1" latinLnBrk="1" hangingPunct="1">
-              <a:lnSpc>
-                <a:spcPct val="90000"/>
-              </a:lnSpc>
-              <a:spcBef>
-                <a:spcPts val="500"/>
-              </a:spcBef>
-              <a:buFont typeface="Arial" panose="020B0604020202020204" pitchFamily="34" charset="0"/>
-              <a:buChar char="•"/>
-              <a:defRPr sz="2400" kern="1200">
-                <a:solidFill>
-                  <a:schemeClr val="tx1"/>
-                </a:solidFill>
-                <a:latin typeface="+mn-lt"/>
-                <a:ea typeface="+mn-ea"/>
-                <a:cs typeface="+mn-cs"/>
-              </a:defRPr>
-            </a:lvl2pPr>
-            <a:lvl3pPr marL="1143000" indent="-228600" algn="l" defTabSz="914400" rtl="0" eaLnBrk="1" latinLnBrk="1" hangingPunct="1">
-              <a:lnSpc>
-                <a:spcPct val="90000"/>
-              </a:lnSpc>
-              <a:spcBef>
-                <a:spcPts val="500"/>
-              </a:spcBef>
-              <a:buFont typeface="Arial" panose="020B0604020202020204" pitchFamily="34" charset="0"/>
-              <a:buChar char="•"/>
-              <a:defRPr sz="2000" kern="1200">
-                <a:solidFill>
-                  <a:schemeClr val="tx1"/>
-                </a:solidFill>
-                <a:latin typeface="+mn-lt"/>
-                <a:ea typeface="+mn-ea"/>
-                <a:cs typeface="+mn-cs"/>
-              </a:defRPr>
-            </a:lvl3pPr>
-            <a:lvl4pPr marL="1600200" indent="-228600" algn="l" defTabSz="914400" rtl="0" eaLnBrk="1" latinLnBrk="1" hangingPunct="1">
-              <a:lnSpc>
-                <a:spcPct val="90000"/>
-              </a:lnSpc>
-              <a:spcBef>
-                <a:spcPts val="500"/>
-              </a:spcBef>
-              <a:buFont typeface="Arial" panose="020B0604020202020204" pitchFamily="34" charset="0"/>
-              <a:buChar char="•"/>
-              <a:defRPr sz="1800" kern="1200">
-                <a:solidFill>
-                  <a:schemeClr val="tx1"/>
-                </a:solidFill>
-                <a:latin typeface="+mn-lt"/>
-                <a:ea typeface="+mn-ea"/>
-                <a:cs typeface="+mn-cs"/>
-              </a:defRPr>
-            </a:lvl4pPr>
-            <a:lvl5pPr marL="2057400" indent="-228600" algn="l" defTabSz="914400" rtl="0" eaLnBrk="1" latinLnBrk="1" hangingPunct="1">
-              <a:lnSpc>
-                <a:spcPct val="90000"/>
-              </a:lnSpc>
-              <a:spcBef>
-                <a:spcPts val="500"/>
-              </a:spcBef>
-              <a:buFont typeface="Arial" panose="020B0604020202020204" pitchFamily="34" charset="0"/>
-              <a:buChar char="•"/>
-              <a:defRPr sz="1800" kern="1200">
-                <a:solidFill>
-                  <a:schemeClr val="tx1"/>
-                </a:solidFill>
-                <a:latin typeface="+mn-lt"/>
-                <a:ea typeface="+mn-ea"/>
-                <a:cs typeface="+mn-cs"/>
-              </a:defRPr>
-            </a:lvl5pPr>
-            <a:lvl6pPr marL="2514600" indent="-228600" algn="l" defTabSz="914400" rtl="0" eaLnBrk="1" latinLnBrk="1" hangingPunct="1">
-              <a:lnSpc>
-                <a:spcPct val="90000"/>
-              </a:lnSpc>
-              <a:spcBef>
-                <a:spcPts val="500"/>
-              </a:spcBef>
-              <a:buFont typeface="Arial" panose="020B0604020202020204" pitchFamily="34" charset="0"/>
-              <a:buChar char="•"/>
-              <a:defRPr sz="1800" kern="1200">
-                <a:solidFill>
-                  <a:schemeClr val="tx1"/>
-                </a:solidFill>
-                <a:latin typeface="+mn-lt"/>
-                <a:ea typeface="+mn-ea"/>
-                <a:cs typeface="+mn-cs"/>
-              </a:defRPr>
-            </a:lvl6pPr>
-            <a:lvl7pPr marL="2971800" indent="-228600" algn="l" defTabSz="914400" rtl="0" eaLnBrk="1" latinLnBrk="1" hangingPunct="1">
-              <a:lnSpc>
-                <a:spcPct val="90000"/>
-              </a:lnSpc>
-              <a:spcBef>
-                <a:spcPts val="500"/>
-              </a:spcBef>
-              <a:buFont typeface="Arial" panose="020B0604020202020204" pitchFamily="34" charset="0"/>
-              <a:buChar char="•"/>
-              <a:defRPr sz="1800" kern="1200">
-                <a:solidFill>
-                  <a:schemeClr val="tx1"/>
-                </a:solidFill>
-                <a:latin typeface="+mn-lt"/>
-                <a:ea typeface="+mn-ea"/>
-                <a:cs typeface="+mn-cs"/>
-              </a:defRPr>
-            </a:lvl7pPr>
-            <a:lvl8pPr marL="3429000" indent="-228600" algn="l" defTabSz="914400" rtl="0" eaLnBrk="1" latinLnBrk="1" hangingPunct="1">
-              <a:lnSpc>
-                <a:spcPct val="90000"/>
-              </a:lnSpc>
-              <a:spcBef>
-                <a:spcPts val="500"/>
-              </a:spcBef>
-              <a:buFont typeface="Arial" panose="020B0604020202020204" pitchFamily="34" charset="0"/>
-              <a:buChar char="•"/>
-              <a:defRPr sz="1800" kern="1200">
-                <a:solidFill>
-                  <a:schemeClr val="tx1"/>
-                </a:solidFill>
-                <a:latin typeface="+mn-lt"/>
-                <a:ea typeface="+mn-ea"/>
-                <a:cs typeface="+mn-cs"/>
-              </a:defRPr>
-            </a:lvl8pPr>
-            <a:lvl9pPr marL="3886200" indent="-228600" algn="l" defTabSz="914400" rtl="0" eaLnBrk="1" latinLnBrk="1" hangingPunct="1">
-              <a:lnSpc>
-                <a:spcPct val="90000"/>
-              </a:lnSpc>
-              <a:spcBef>
-                <a:spcPts val="500"/>
-              </a:spcBef>
-              <a:buFont typeface="Arial" panose="020B0604020202020204" pitchFamily="34" charset="0"/>
-              <a:buChar char="•"/>
-              <a:defRPr sz="1800" kern="1200">
-                <a:solidFill>
-                  <a:schemeClr val="tx1"/>
-                </a:solidFill>
-                <a:latin typeface="+mn-lt"/>
-                <a:ea typeface="+mn-ea"/>
-                <a:cs typeface="+mn-cs"/>
-              </a:defRPr>
-            </a:lvl9pPr>
-          </a:lstStyle>
-          <a:p>
-            <a:r>
-              <a:rPr lang="ko-KR" altLang="en-US">
-                <a:solidFill>
-                  <a:srgbClr val="000000"/>
-                </a:solidFill>
-                <a:latin typeface="+mn-ea"/>
-              </a:rPr>
-              <a:t>메소드 간단 선언 구문</a:t>
-            </a:r>
-            <a:endParaRPr lang="en-US" altLang="ko-KR">
-              <a:solidFill>
-                <a:srgbClr val="000000"/>
-              </a:solidFill>
-              <a:latin typeface="+mn-ea"/>
-            </a:endParaRPr>
-          </a:p>
-          <a:p>
-            <a:pPr lvl="1"/>
-            <a:r>
-              <a:rPr lang="ko-KR" altLang="en-US" sz="1600">
-                <a:solidFill>
-                  <a:srgbClr val="000000"/>
-                </a:solidFill>
-                <a:latin typeface="+mn-ea"/>
-              </a:rPr>
-              <a:t>메소드 선언 구문 </a:t>
-            </a:r>
-            <a:r>
-              <a:rPr lang="en-US" altLang="ko-KR" sz="1600">
-                <a:solidFill>
-                  <a:srgbClr val="000000"/>
-                </a:solidFill>
-                <a:latin typeface="+mn-ea"/>
-              </a:rPr>
-              <a:t>(</a:t>
-            </a:r>
-            <a:r>
-              <a:rPr lang="ko-KR" altLang="en-US" sz="1600">
-                <a:solidFill>
-                  <a:srgbClr val="000000"/>
-                </a:solidFill>
-                <a:latin typeface="+mn-ea"/>
-              </a:rPr>
-              <a:t>소스 코드 </a:t>
-            </a:r>
-            <a:r>
-              <a:rPr lang="en-US" altLang="ko-KR" sz="1600">
-                <a:solidFill>
-                  <a:srgbClr val="000000"/>
-                </a:solidFill>
-                <a:latin typeface="+mn-ea"/>
-              </a:rPr>
-              <a:t>6-1-4.html</a:t>
-            </a:r>
-            <a:r>
-              <a:rPr lang="en-US" altLang="ko-KR" sz="1400">
-                <a:solidFill>
-                  <a:srgbClr val="000000"/>
-                </a:solidFill>
-                <a:latin typeface="+mn-ea"/>
-              </a:rPr>
-              <a:t>)</a:t>
-            </a:r>
-          </a:p>
-          <a:p>
-            <a:pPr lvl="2"/>
-            <a:endParaRPr lang="en-US" altLang="ko-KR" sz="1400">
-              <a:solidFill>
-                <a:srgbClr val="000000"/>
-              </a:solidFill>
-              <a:latin typeface="+mn-ea"/>
-            </a:endParaRPr>
-          </a:p>
-          <a:p>
-            <a:pPr lvl="2"/>
-            <a:endParaRPr lang="en-US" altLang="ko-KR" sz="1400">
-              <a:solidFill>
-                <a:srgbClr val="000000"/>
-              </a:solidFill>
-              <a:latin typeface="+mn-ea"/>
-            </a:endParaRPr>
-          </a:p>
-          <a:p>
-            <a:pPr lvl="1"/>
-            <a:endParaRPr lang="en-US" altLang="ko-KR" sz="1600">
-              <a:solidFill>
-                <a:srgbClr val="000000"/>
-              </a:solidFill>
-              <a:latin typeface="+mn-ea"/>
-            </a:endParaRPr>
-          </a:p>
-          <a:p>
-            <a:pPr lvl="1"/>
-            <a:endParaRPr lang="en-US" altLang="ko-KR" sz="1600">
-              <a:solidFill>
-                <a:srgbClr val="000000"/>
-              </a:solidFill>
-              <a:latin typeface="+mn-ea"/>
-            </a:endParaRPr>
-          </a:p>
-          <a:p>
-            <a:pPr lvl="1"/>
-            <a:endParaRPr lang="en-US" altLang="ko-KR" sz="1600">
-              <a:solidFill>
-                <a:srgbClr val="000000"/>
-              </a:solidFill>
-              <a:latin typeface="+mn-ea"/>
-            </a:endParaRPr>
-          </a:p>
-          <a:p>
-            <a:pPr lvl="1"/>
-            <a:endParaRPr lang="en-US" altLang="ko-KR" sz="1600">
-              <a:solidFill>
-                <a:srgbClr val="000000"/>
-              </a:solidFill>
-              <a:latin typeface="+mn-ea"/>
-            </a:endParaRPr>
-          </a:p>
-          <a:p>
-            <a:pPr lvl="1"/>
-            <a:endParaRPr lang="en-US" altLang="ko-KR" sz="1600">
-              <a:solidFill>
-                <a:srgbClr val="000000"/>
-              </a:solidFill>
-              <a:latin typeface="+mn-ea"/>
-            </a:endParaRPr>
-          </a:p>
-          <a:p>
-            <a:pPr lvl="1"/>
-            <a:endParaRPr lang="en-US" altLang="ko-KR" sz="1600">
-              <a:solidFill>
-                <a:srgbClr val="000000"/>
-              </a:solidFill>
-              <a:latin typeface="+mn-ea"/>
-            </a:endParaRPr>
-          </a:p>
-          <a:p>
-            <a:pPr lvl="1"/>
-            <a:endParaRPr lang="en-US" altLang="ko-KR" sz="1600">
-              <a:solidFill>
-                <a:srgbClr val="000000"/>
-              </a:solidFill>
-              <a:latin typeface="+mn-ea"/>
-            </a:endParaRPr>
-          </a:p>
-          <a:p>
-            <a:pPr lvl="1"/>
-            <a:endParaRPr lang="en-US" altLang="ko-KR" sz="1600">
-              <a:solidFill>
-                <a:srgbClr val="000000"/>
-              </a:solidFill>
-              <a:latin typeface="+mn-ea"/>
-            </a:endParaRPr>
-          </a:p>
-          <a:p>
-            <a:pPr lvl="1"/>
-            <a:endParaRPr lang="en-US" altLang="ko-KR" sz="1600">
-              <a:solidFill>
-                <a:srgbClr val="000000"/>
-              </a:solidFill>
-              <a:latin typeface="+mn-ea"/>
-            </a:endParaRPr>
-          </a:p>
-          <a:p>
-            <a:pPr lvl="1"/>
-            <a:endParaRPr lang="en-US" altLang="ko-KR" sz="1600" dirty="0">
-              <a:solidFill>
-                <a:srgbClr val="000000"/>
-              </a:solidFill>
-              <a:latin typeface="+mn-ea"/>
-            </a:endParaRPr>
-          </a:p>
-        </p:txBody>
-      </p:sp>
       <p:graphicFrame>
         <p:nvGraphicFramePr>
           <p:cNvPr id="4" name="Table 4">
@@ -4448,11 +4082,17 @@
           <p:cNvGraphicFramePr>
             <a:graphicFrameLocks noGrp="1"/>
           </p:cNvGraphicFramePr>
-          <p:nvPr/>
+          <p:nvPr>
+            <p:extLst>
+              <p:ext uri="{D42A27DB-BD31-4B8C-83A1-F6EECF244321}">
+                <p14:modId xmlns:p14="http://schemas.microsoft.com/office/powerpoint/2010/main" val="1347343712"/>
+              </p:ext>
+            </p:extLst>
+          </p:nvPr>
         </p:nvGraphicFramePr>
         <p:xfrm>
-          <a:off x="1600199" y="2035800"/>
-          <a:ext cx="5017477" cy="3261360"/>
+          <a:off x="576942" y="1404429"/>
+          <a:ext cx="5720026" cy="3017520"/>
         </p:xfrm>
         <a:graphic>
           <a:graphicData uri="http://schemas.openxmlformats.org/drawingml/2006/table">
@@ -4461,7 +4101,7 @@
                 <a:tableStyleId>{5C22544A-7EE6-4342-B048-85BDC9FD1C3A}</a:tableStyleId>
               </a:tblPr>
               <a:tblGrid>
-                <a:gridCol w="5017477">
+                <a:gridCol w="5720026">
                   <a:extLst>
                     <a:ext uri="{9D8B030D-6E8A-4147-A177-3AD203B41FA5}">
                       <a16:colId xmlns:a16="http://schemas.microsoft.com/office/drawing/2014/main" val="861803730"/>
@@ -4856,7 +4496,7 @@
         </p:blipFill>
         <p:spPr>
           <a:xfrm>
-            <a:off x="7156939" y="3532960"/>
+            <a:off x="6890240" y="1339490"/>
             <a:ext cx="2975829" cy="1032079"/>
           </a:xfrm>
           <a:prstGeom prst="rect">
@@ -10786,7 +10426,7 @@
         </p:nvSpPr>
         <p:spPr>
           <a:xfrm>
-            <a:off x="455474" y="1147023"/>
+            <a:off x="373832" y="1291428"/>
             <a:ext cx="11281052" cy="4999638"/>
           </a:xfrm>
           <a:prstGeom prst="rect">
@@ -11079,6 +10719,15 @@
           </a:p>
           <a:p>
             <a:pPr lvl="2"/>
+            <a:endParaRPr lang="en-US" altLang="ko-KR" sz="1400" dirty="0">
+              <a:solidFill>
+                <a:srgbClr val="000000"/>
+              </a:solidFill>
+              <a:latin typeface="+mn-ea"/>
+            </a:endParaRPr>
+          </a:p>
+          <a:p>
+            <a:pPr lvl="2"/>
             <a:r>
               <a:rPr lang="ko-KR" altLang="en-US" sz="1400" dirty="0">
                 <a:solidFill>
@@ -11142,6 +10791,24 @@
               </a:rPr>
               <a:t>)</a:t>
             </a:r>
+          </a:p>
+          <a:p>
+            <a:pPr lvl="2"/>
+            <a:endParaRPr lang="en-US" altLang="ko-KR" sz="1400" dirty="0">
+              <a:solidFill>
+                <a:srgbClr val="000000"/>
+              </a:solidFill>
+              <a:latin typeface="+mn-ea"/>
+            </a:endParaRPr>
+          </a:p>
+          <a:p>
+            <a:pPr lvl="2"/>
+            <a:endParaRPr lang="en-US" altLang="ko-KR" sz="1400" dirty="0">
+              <a:solidFill>
+                <a:srgbClr val="000000"/>
+              </a:solidFill>
+              <a:latin typeface="+mn-ea"/>
+            </a:endParaRPr>
           </a:p>
           <a:p>
             <a:pPr lvl="2"/>
@@ -12114,7 +11781,7 @@
                   <a:schemeClr val="bg1"/>
                 </a:solidFill>
               </a:rPr>
-              <a:t>6</a:t>
+              <a:t>1</a:t>
             </a:r>
             <a:r>
               <a:rPr sz="1200" b="0" spc="-35" dirty="0">
@@ -16439,7 +16106,7 @@
           </a:lstStyle>
           <a:p>
             <a:r>
-              <a:rPr lang="ko-KR" altLang="en-US">
+              <a:rPr lang="ko-KR" altLang="en-US" dirty="0">
                 <a:solidFill>
                   <a:srgbClr val="000000"/>
                 </a:solidFill>
@@ -16447,7 +16114,7 @@
               </a:rPr>
               <a:t>프로토타입으로 메소드 추가하기</a:t>
             </a:r>
-            <a:endParaRPr lang="en-US" altLang="ko-KR">
+            <a:endParaRPr lang="en-US" altLang="ko-KR" dirty="0">
               <a:solidFill>
                 <a:srgbClr val="000000"/>
               </a:solidFill>
@@ -16457,7 +16124,7 @@
           <a:p>
             <a:pPr lvl="1"/>
             <a:r>
-              <a:rPr lang="en-US" altLang="ko-KR" sz="1600">
+              <a:rPr lang="en-US" altLang="ko-KR" sz="1600" dirty="0">
                 <a:solidFill>
                   <a:srgbClr val="000000"/>
                 </a:solidFill>
@@ -16466,7 +16133,7 @@
               <a:t>prototype </a:t>
             </a:r>
             <a:r>
-              <a:rPr lang="ko-KR" altLang="en-US" sz="1600">
+              <a:rPr lang="ko-KR" altLang="en-US" sz="1600" dirty="0">
                 <a:solidFill>
                   <a:srgbClr val="000000"/>
                 </a:solidFill>
@@ -16475,7 +16142,7 @@
               <a:t>객체에 속성과 메소드를 추가하면 모든 객체</a:t>
             </a:r>
             <a:r>
-              <a:rPr lang="en-US" altLang="ko-KR" sz="1600">
+              <a:rPr lang="en-US" altLang="ko-KR" sz="1600" dirty="0">
                 <a:solidFill>
                   <a:srgbClr val="000000"/>
                 </a:solidFill>
@@ -16484,7 +16151,7 @@
               <a:t>(</a:t>
             </a:r>
             <a:r>
-              <a:rPr lang="ko-KR" altLang="en-US" sz="1600">
+              <a:rPr lang="ko-KR" altLang="en-US" sz="1600" dirty="0">
                 <a:solidFill>
                   <a:srgbClr val="000000"/>
                 </a:solidFill>
@@ -16493,7 +16160,7 @@
               <a:t>와 기본 자료형</a:t>
             </a:r>
             <a:r>
-              <a:rPr lang="en-US" altLang="ko-KR" sz="1600">
+              <a:rPr lang="en-US" altLang="ko-KR" sz="1600" dirty="0">
                 <a:solidFill>
                   <a:srgbClr val="000000"/>
                 </a:solidFill>
@@ -16502,7 +16169,7 @@
               <a:t>)</a:t>
             </a:r>
             <a:r>
-              <a:rPr lang="ko-KR" altLang="en-US" sz="1600">
+              <a:rPr lang="ko-KR" altLang="en-US" sz="1600" dirty="0">
                 <a:solidFill>
                   <a:srgbClr val="000000"/>
                 </a:solidFill>
@@ -16510,7 +16177,7 @@
               </a:rPr>
               <a:t>에서 해당 속성과 메소드를 사용할 수 있음</a:t>
             </a:r>
-            <a:endParaRPr lang="en-US" altLang="ko-KR" sz="1600">
+            <a:endParaRPr lang="en-US" altLang="ko-KR" sz="1600" dirty="0">
               <a:solidFill>
                 <a:srgbClr val="000000"/>
               </a:solidFill>
@@ -16519,7 +16186,7 @@
           </a:p>
           <a:p>
             <a:pPr lvl="1"/>
-            <a:endParaRPr lang="en-US" altLang="ko-KR" sz="1600">
+            <a:endParaRPr lang="en-US" altLang="ko-KR" sz="1600" dirty="0">
               <a:solidFill>
                 <a:srgbClr val="000000"/>
               </a:solidFill>
@@ -16528,7 +16195,7 @@
           </a:p>
           <a:p>
             <a:pPr lvl="1"/>
-            <a:endParaRPr lang="en-US" altLang="ko-KR" sz="1600">
+            <a:endParaRPr lang="en-US" altLang="ko-KR" sz="1600" dirty="0">
               <a:solidFill>
                 <a:srgbClr val="000000"/>
               </a:solidFill>
@@ -16537,46 +16204,7 @@
           </a:p>
           <a:p>
             <a:pPr lvl="1"/>
-            <a:r>
-              <a:rPr lang="ko-KR" altLang="en-US" sz="1600">
-                <a:solidFill>
-                  <a:srgbClr val="000000"/>
-                </a:solidFill>
-                <a:latin typeface="+mn-ea"/>
-              </a:rPr>
-              <a:t>프로토타입으로 숫자 메소드 추가하기 </a:t>
-            </a:r>
-            <a:r>
-              <a:rPr lang="en-US" altLang="ko-KR" sz="1600">
-                <a:solidFill>
-                  <a:srgbClr val="000000"/>
-                </a:solidFill>
-                <a:latin typeface="+mn-ea"/>
-              </a:rPr>
-              <a:t>(</a:t>
-            </a:r>
-            <a:r>
-              <a:rPr lang="ko-KR" altLang="en-US" sz="1600">
-                <a:solidFill>
-                  <a:srgbClr val="000000"/>
-                </a:solidFill>
-                <a:latin typeface="+mn-ea"/>
-              </a:rPr>
-              <a:t>소스 코드 </a:t>
-            </a:r>
-            <a:r>
-              <a:rPr lang="en-US" altLang="ko-KR" sz="1600">
-                <a:solidFill>
-                  <a:srgbClr val="000000"/>
-                </a:solidFill>
-                <a:latin typeface="+mn-ea"/>
-              </a:rPr>
-              <a:t>6-2-1.html)</a:t>
-            </a:r>
-          </a:p>
-          <a:p>
-            <a:pPr lvl="2"/>
-            <a:endParaRPr lang="en-US" altLang="ko-KR" sz="1400">
+            <a:endParaRPr lang="en-US" altLang="ko-KR" sz="1600" dirty="0">
               <a:solidFill>
                 <a:srgbClr val="000000"/>
               </a:solidFill>
@@ -16585,7 +16213,46 @@
           </a:p>
           <a:p>
             <a:pPr lvl="1"/>
-            <a:endParaRPr lang="en-US" altLang="ko-KR" sz="1600">
+            <a:r>
+              <a:rPr lang="ko-KR" altLang="en-US" sz="1600" dirty="0">
+                <a:solidFill>
+                  <a:srgbClr val="000000"/>
+                </a:solidFill>
+                <a:latin typeface="+mn-ea"/>
+              </a:rPr>
+              <a:t>프로토타입으로 숫자 메소드 추가하기 </a:t>
+            </a:r>
+            <a:r>
+              <a:rPr lang="en-US" altLang="ko-KR" sz="1600" dirty="0">
+                <a:solidFill>
+                  <a:srgbClr val="000000"/>
+                </a:solidFill>
+                <a:latin typeface="+mn-ea"/>
+              </a:rPr>
+              <a:t>(</a:t>
+            </a:r>
+            <a:r>
+              <a:rPr lang="ko-KR" altLang="en-US" sz="1600" dirty="0">
+                <a:solidFill>
+                  <a:srgbClr val="000000"/>
+                </a:solidFill>
+                <a:latin typeface="+mn-ea"/>
+              </a:rPr>
+              <a:t>소스 코드 </a:t>
+            </a:r>
+            <a:r>
+              <a:rPr lang="en-US" altLang="ko-KR" sz="1600" dirty="0">
+                <a:solidFill>
+                  <a:srgbClr val="000000"/>
+                </a:solidFill>
+                <a:latin typeface="+mn-ea"/>
+              </a:rPr>
+              <a:t>6-2-1.html)</a:t>
+            </a:r>
+          </a:p>
+          <a:p>
+            <a:pPr lvl="2"/>
+            <a:endParaRPr lang="en-US" altLang="ko-KR" sz="1400" dirty="0">
               <a:solidFill>
                 <a:srgbClr val="000000"/>
               </a:solidFill>
@@ -16594,7 +16261,7 @@
           </a:p>
           <a:p>
             <a:pPr lvl="1"/>
-            <a:endParaRPr lang="en-US" altLang="ko-KR" sz="1600">
+            <a:endParaRPr lang="en-US" altLang="ko-KR" sz="1600" dirty="0">
               <a:solidFill>
                 <a:srgbClr val="000000"/>
               </a:solidFill>
@@ -16603,7 +16270,7 @@
           </a:p>
           <a:p>
             <a:pPr lvl="1"/>
-            <a:endParaRPr lang="en-US" altLang="ko-KR" sz="1600">
+            <a:endParaRPr lang="en-US" altLang="ko-KR" sz="1600" dirty="0">
               <a:solidFill>
                 <a:srgbClr val="000000"/>
               </a:solidFill>
@@ -16612,7 +16279,7 @@
           </a:p>
           <a:p>
             <a:pPr lvl="1"/>
-            <a:endParaRPr lang="en-US" altLang="ko-KR" sz="1600">
+            <a:endParaRPr lang="en-US" altLang="ko-KR" sz="1600" dirty="0">
               <a:solidFill>
                 <a:srgbClr val="000000"/>
               </a:solidFill>
@@ -16621,7 +16288,7 @@
           </a:p>
           <a:p>
             <a:pPr lvl="1"/>
-            <a:endParaRPr lang="en-US" altLang="ko-KR" sz="1600">
+            <a:endParaRPr lang="en-US" altLang="ko-KR" sz="1600" dirty="0">
               <a:solidFill>
                 <a:srgbClr val="000000"/>
               </a:solidFill>
@@ -16630,7 +16297,7 @@
           </a:p>
           <a:p>
             <a:pPr lvl="1"/>
-            <a:endParaRPr lang="en-US" altLang="ko-KR" sz="1600">
+            <a:endParaRPr lang="en-US" altLang="ko-KR" sz="1600" dirty="0">
               <a:solidFill>
                 <a:srgbClr val="000000"/>
               </a:solidFill>
@@ -16639,7 +16306,7 @@
           </a:p>
           <a:p>
             <a:pPr lvl="1"/>
-            <a:endParaRPr lang="en-US" altLang="ko-KR" sz="1600">
+            <a:endParaRPr lang="en-US" altLang="ko-KR" sz="1600" dirty="0">
               <a:solidFill>
                 <a:srgbClr val="000000"/>
               </a:solidFill>
@@ -16648,7 +16315,16 @@
           </a:p>
           <a:p>
             <a:pPr lvl="1"/>
-            <a:endParaRPr lang="en-US" altLang="ko-KR" sz="1600">
+            <a:endParaRPr lang="en-US" altLang="ko-KR" sz="1600" dirty="0">
+              <a:solidFill>
+                <a:srgbClr val="000000"/>
+              </a:solidFill>
+              <a:latin typeface="+mn-ea"/>
+            </a:endParaRPr>
+          </a:p>
+          <a:p>
+            <a:pPr lvl="1"/>
+            <a:endParaRPr lang="en-US" altLang="ko-KR" sz="1600" dirty="0">
               <a:solidFill>
                 <a:srgbClr val="000000"/>
               </a:solidFill>
@@ -16814,10 +16490,16 @@
           <p:cNvGraphicFramePr>
             <a:graphicFrameLocks noGrp="1"/>
           </p:cNvGraphicFramePr>
-          <p:nvPr/>
+          <p:nvPr>
+            <p:extLst>
+              <p:ext uri="{D42A27DB-BD31-4B8C-83A1-F6EECF244321}">
+                <p14:modId xmlns:p14="http://schemas.microsoft.com/office/powerpoint/2010/main" val="1889484592"/>
+              </p:ext>
+            </p:extLst>
+          </p:nvPr>
         </p:nvGraphicFramePr>
         <p:xfrm>
-          <a:off x="1492459" y="3017378"/>
+          <a:off x="1399930" y="3429000"/>
           <a:ext cx="5357446" cy="3017520"/>
         </p:xfrm>
         <a:graphic>
@@ -17254,7 +16936,7 @@
         </p:blipFill>
         <p:spPr>
           <a:xfrm>
-            <a:off x="7170033" y="4526138"/>
+            <a:off x="7077504" y="4937760"/>
             <a:ext cx="2409883" cy="1482602"/>
           </a:xfrm>
           <a:prstGeom prst="rect">
@@ -17360,7 +17042,7 @@
         </p:nvSpPr>
         <p:spPr>
           <a:xfrm>
-            <a:off x="455474" y="1217779"/>
+            <a:off x="384717" y="1415772"/>
             <a:ext cx="11281052" cy="4999638"/>
           </a:xfrm>
           <a:prstGeom prst="rect">
@@ -17537,7 +17219,7 @@
           </a:lstStyle>
           <a:p>
             <a:r>
-              <a:rPr lang="ko-KR" altLang="en-US">
+              <a:rPr lang="ko-KR" altLang="en-US" dirty="0">
                 <a:solidFill>
                   <a:srgbClr val="000000"/>
                 </a:solidFill>
@@ -17545,7 +17227,7 @@
               </a:rPr>
               <a:t>프로토타입으로 메소드 추가하기</a:t>
             </a:r>
-            <a:endParaRPr lang="en-US" altLang="ko-KR">
+            <a:endParaRPr lang="en-US" altLang="ko-KR" dirty="0">
               <a:solidFill>
                 <a:srgbClr val="000000"/>
               </a:solidFill>
@@ -17555,143 +17237,161 @@
           <a:p>
             <a:pPr lvl="1"/>
             <a:r>
-              <a:rPr lang="en-US" altLang="ko-KR" sz="1600">
+              <a:rPr lang="en-US" altLang="ko-KR" sz="1600" dirty="0" err="1">
                 <a:latin typeface="Helvetica 65 Medium"/>
               </a:rPr>
-              <a:t>indexOf() </a:t>
-            </a:r>
-            <a:r>
-              <a:rPr lang="ko-KR" altLang="en-US" sz="1600">
+              <a:t>indexOf</a:t>
+            </a:r>
+            <a:r>
+              <a:rPr lang="en-US" altLang="ko-KR" sz="1600" dirty="0">
+                <a:latin typeface="Helvetica 65 Medium"/>
+              </a:rPr>
+              <a:t>() </a:t>
+            </a:r>
+            <a:r>
+              <a:rPr lang="ko-KR" altLang="en-US" sz="1600" dirty="0">
                 <a:latin typeface="YoonV YoonMyungjo100Std_OTF"/>
               </a:rPr>
               <a:t>메소드로 자바스크립트에서 문자열 내부에 어떤 문자열이 있는지</a:t>
             </a:r>
             <a:r>
-              <a:rPr lang="en-US" altLang="ko-KR" sz="1600">
+              <a:rPr lang="en-US" altLang="ko-KR" sz="1600" dirty="0">
                 <a:latin typeface="YoonV YoonMyungjo100Std_OTF"/>
               </a:rPr>
               <a:t>, </a:t>
             </a:r>
             <a:r>
-              <a:rPr lang="ko-KR" altLang="en-US" sz="1600">
+              <a:rPr lang="ko-KR" altLang="en-US" sz="1600" dirty="0">
                 <a:latin typeface="YoonV YoonMyungjo100Std_OTF"/>
               </a:rPr>
               <a:t>배열 내부에 어떤 자료가 있는지 확인</a:t>
             </a:r>
-            <a:endParaRPr lang="en-US" altLang="ko-KR" sz="1600">
+            <a:endParaRPr lang="en-US" altLang="ko-KR" sz="1600" dirty="0">
               <a:latin typeface="YoonV YoonMyungjo100Std_OTF"/>
             </a:endParaRPr>
           </a:p>
           <a:p>
             <a:pPr lvl="2"/>
             <a:r>
-              <a:rPr lang="ko-KR" altLang="en-US" sz="1400">
+              <a:rPr lang="ko-KR" altLang="en-US" sz="1400" dirty="0">
                 <a:latin typeface="YoonV YoonMyungjo100Std_OTF"/>
               </a:rPr>
               <a:t>문자열 ‘안녕하세요’ 내부에 ‘안녕’</a:t>
             </a:r>
             <a:r>
-              <a:rPr lang="en-US" altLang="ko-KR" sz="1400">
+              <a:rPr lang="en-US" altLang="ko-KR" sz="1400" dirty="0">
                 <a:latin typeface="YoonV YoonMyungjo100Std_OTF"/>
               </a:rPr>
               <a:t>, ‘</a:t>
             </a:r>
             <a:r>
-              <a:rPr lang="ko-KR" altLang="en-US" sz="1400">
+              <a:rPr lang="ko-KR" altLang="en-US" sz="1400" dirty="0">
                 <a:latin typeface="YoonV YoonMyungjo100Std_OTF"/>
               </a:rPr>
               <a:t>하세’</a:t>
             </a:r>
             <a:r>
-              <a:rPr lang="en-US" altLang="ko-KR" sz="1400">
+              <a:rPr lang="en-US" altLang="ko-KR" sz="1400" dirty="0">
                 <a:latin typeface="YoonV YoonMyungjo100Std_OTF"/>
               </a:rPr>
               <a:t>, ‘</a:t>
             </a:r>
             <a:r>
-              <a:rPr lang="ko-KR" altLang="en-US" sz="1400">
+              <a:rPr lang="ko-KR" altLang="en-US" sz="1400" dirty="0">
                 <a:latin typeface="YoonV YoonMyungjo100Std_OTF"/>
               </a:rPr>
-              <a:t>없는 문자열’이 있는지 확인하면</a:t>
-            </a:r>
-            <a:r>
-              <a:rPr lang="en-US" altLang="ko-KR" sz="1400">
+              <a:t>없는 </a:t>
+            </a:r>
+            <a:r>
+              <a:rPr lang="ko-KR" altLang="en-US" sz="1400" dirty="0" err="1">
                 <a:latin typeface="YoonV YoonMyungjo100Std_OTF"/>
               </a:rPr>
+              <a:t>문자열’이</a:t>
+            </a:r>
+            <a:r>
+              <a:rPr lang="ko-KR" altLang="en-US" sz="1400" dirty="0">
+                <a:latin typeface="YoonV YoonMyungjo100Std_OTF"/>
+              </a:rPr>
+              <a:t> 있는지 확인하면</a:t>
+            </a:r>
+            <a:r>
+              <a:rPr lang="en-US" altLang="ko-KR" sz="1400" dirty="0">
+                <a:latin typeface="YoonV YoonMyungjo100Std_OTF"/>
+              </a:rPr>
               <a:t>,</a:t>
             </a:r>
             <a:r>
-              <a:rPr lang="ko-KR" altLang="en-US" sz="1400">
+              <a:rPr lang="ko-KR" altLang="en-US" sz="1400" dirty="0">
                 <a:latin typeface="YoonV YoonMyungjo100Std_OTF"/>
               </a:rPr>
               <a:t> </a:t>
             </a:r>
             <a:br>
-              <a:rPr lang="en-US" altLang="ko-KR" sz="1400">
+              <a:rPr lang="en-US" altLang="ko-KR" sz="1400" dirty="0">
                 <a:latin typeface="YoonV YoonMyungjo100Std_OTF"/>
               </a:rPr>
             </a:br>
             <a:r>
-              <a:rPr lang="ko-KR" altLang="en-US" sz="1400">
+              <a:rPr lang="ko-KR" altLang="en-US" sz="1400" dirty="0">
                 <a:latin typeface="YoonV YoonMyungjo100Std_OTF"/>
               </a:rPr>
               <a:t>해당 문자열이 시작하는 위치</a:t>
             </a:r>
             <a:r>
-              <a:rPr lang="en-US" altLang="ko-KR" sz="1400">
+              <a:rPr lang="en-US" altLang="ko-KR" sz="1400" dirty="0">
                 <a:latin typeface="YoonV YoonMyungjo100Std_OTF"/>
               </a:rPr>
               <a:t>(</a:t>
             </a:r>
             <a:r>
-              <a:rPr lang="ko-KR" altLang="en-US" sz="1400">
+              <a:rPr lang="ko-KR" altLang="en-US" sz="1400" dirty="0">
                 <a:latin typeface="YoonV YoonMyungjo100Std_OTF"/>
               </a:rPr>
               <a:t>인덱스</a:t>
             </a:r>
             <a:r>
-              <a:rPr lang="en-US" altLang="ko-KR" sz="1400">
+              <a:rPr lang="en-US" altLang="ko-KR" sz="1400" dirty="0">
                 <a:latin typeface="YoonV YoonMyungjo100Std_OTF"/>
               </a:rPr>
               <a:t>)</a:t>
             </a:r>
             <a:r>
-              <a:rPr lang="ko-KR" altLang="en-US" sz="1400">
+              <a:rPr lang="ko-KR" altLang="en-US" sz="1400" dirty="0">
                 <a:latin typeface="YoonV YoonMyungjo100Std_OTF"/>
               </a:rPr>
               <a:t>를 출력하고</a:t>
             </a:r>
             <a:r>
-              <a:rPr lang="en-US" altLang="ko-KR" sz="1400">
+              <a:rPr lang="en-US" altLang="ko-KR" sz="1400" dirty="0">
                 <a:latin typeface="YoonV YoonMyungjo100Std_OTF"/>
               </a:rPr>
               <a:t>, </a:t>
             </a:r>
             <a:r>
-              <a:rPr lang="ko-KR" altLang="en-US" sz="1400">
+              <a:rPr lang="ko-KR" altLang="en-US" sz="1400" dirty="0">
                 <a:latin typeface="YoonV YoonMyungjo100Std_OTF"/>
               </a:rPr>
               <a:t>없으면 </a:t>
             </a:r>
             <a:r>
-              <a:rPr lang="en-US" altLang="ko-KR" sz="1400">
+              <a:rPr lang="en-US" altLang="ko-KR" sz="1400" dirty="0">
                 <a:latin typeface="YoonV YoonMyungjo100Std_OTF"/>
               </a:rPr>
               <a:t>-1</a:t>
             </a:r>
             <a:r>
-              <a:rPr lang="ko-KR" altLang="en-US" sz="1400">
+              <a:rPr lang="ko-KR" altLang="en-US" sz="1400" dirty="0">
                 <a:latin typeface="YoonV YoonMyungjo100Std_OTF"/>
               </a:rPr>
               <a:t>을 출력</a:t>
             </a:r>
-            <a:endParaRPr lang="en-US" altLang="ko-KR" sz="1400">
+            <a:endParaRPr lang="en-US" altLang="ko-KR" sz="1400" dirty="0">
               <a:latin typeface="YoonV YoonMyungjo100Std_OTF"/>
             </a:endParaRPr>
           </a:p>
           <a:p>
             <a:pPr lvl="2"/>
-            <a:endParaRPr lang="en-US" altLang="ko-KR" sz="1400">
+            <a:endParaRPr lang="en-US" altLang="ko-KR" sz="1400" dirty="0">
               <a:solidFill>
                 <a:srgbClr val="000000"/>
               </a:solidFill>
@@ -17700,7 +17400,7 @@
           </a:p>
           <a:p>
             <a:pPr lvl="2"/>
-            <a:endParaRPr lang="en-US" altLang="ko-KR" sz="1400">
+            <a:endParaRPr lang="en-US" altLang="ko-KR" sz="1400" dirty="0">
               <a:solidFill>
                 <a:srgbClr val="000000"/>
               </a:solidFill>
@@ -17709,7 +17409,7 @@
           </a:p>
           <a:p>
             <a:pPr lvl="2"/>
-            <a:endParaRPr lang="en-US" altLang="ko-KR" sz="1400">
+            <a:endParaRPr lang="en-US" altLang="ko-KR" sz="1400" dirty="0">
               <a:solidFill>
                 <a:srgbClr val="000000"/>
               </a:solidFill>
@@ -17718,7 +17418,7 @@
           </a:p>
           <a:p>
             <a:pPr lvl="2"/>
-            <a:endParaRPr lang="en-US" altLang="ko-KR" sz="1400">
+            <a:endParaRPr lang="en-US" altLang="ko-KR" sz="1400" dirty="0">
               <a:solidFill>
                 <a:srgbClr val="000000"/>
               </a:solidFill>
@@ -17727,7 +17427,7 @@
           </a:p>
           <a:p>
             <a:pPr lvl="2"/>
-            <a:endParaRPr lang="en-US" altLang="ko-KR" sz="1400">
+            <a:endParaRPr lang="en-US" altLang="ko-KR" sz="1400" dirty="0">
               <a:solidFill>
                 <a:srgbClr val="000000"/>
               </a:solidFill>
@@ -17736,7 +17436,7 @@
           </a:p>
           <a:p>
             <a:pPr lvl="2"/>
-            <a:endParaRPr lang="en-US" altLang="ko-KR" sz="1400">
+            <a:endParaRPr lang="en-US" altLang="ko-KR" sz="1400" dirty="0">
               <a:solidFill>
                 <a:srgbClr val="000000"/>
               </a:solidFill>
@@ -17745,7 +17445,7 @@
           </a:p>
           <a:p>
             <a:pPr lvl="2"/>
-            <a:endParaRPr lang="en-US" altLang="ko-KR" sz="1400">
+            <a:endParaRPr lang="en-US" altLang="ko-KR" sz="1400" dirty="0">
               <a:solidFill>
                 <a:srgbClr val="000000"/>
               </a:solidFill>
@@ -17754,34 +17454,7 @@
           </a:p>
           <a:p>
             <a:pPr lvl="2"/>
-            <a:r>
-              <a:rPr lang="ko-KR" altLang="en-US" sz="1400">
-                <a:solidFill>
-                  <a:srgbClr val="000000"/>
-                </a:solidFill>
-                <a:latin typeface="YoonV YoonMyungjo100Std_OTF"/>
-              </a:rPr>
-              <a:t>배열의 </a:t>
-            </a:r>
-            <a:r>
-              <a:rPr lang="en-US" altLang="ko-KR" sz="1400">
-                <a:solidFill>
-                  <a:srgbClr val="000000"/>
-                </a:solidFill>
-                <a:latin typeface="YoonV YoonMyungjo100Std_OTF"/>
-              </a:rPr>
-              <a:t>indexOf() </a:t>
-            </a:r>
-            <a:r>
-              <a:rPr lang="ko-KR" altLang="en-US" sz="1400">
-                <a:solidFill>
-                  <a:srgbClr val="000000"/>
-                </a:solidFill>
-                <a:latin typeface="YoonV YoonMyungjo100Std_OTF"/>
-              </a:rPr>
-              <a:t>메소드도 마찬가지로 작동</a:t>
-            </a:r>
-            <a:endParaRPr lang="en-US" altLang="ko-KR" sz="1400">
+            <a:endParaRPr lang="en-US" altLang="ko-KR" sz="1400" dirty="0">
               <a:solidFill>
                 <a:srgbClr val="000000"/>
               </a:solidFill>
@@ -17789,8 +17462,44 @@
             </a:endParaRPr>
           </a:p>
           <a:p>
-            <a:pPr lvl="1"/>
-            <a:endParaRPr lang="en-US" altLang="ko-KR" sz="1600">
+            <a:pPr lvl="2"/>
+            <a:r>
+              <a:rPr lang="ko-KR" altLang="en-US" sz="1400" dirty="0">
+                <a:solidFill>
+                  <a:srgbClr val="000000"/>
+                </a:solidFill>
+                <a:latin typeface="YoonV YoonMyungjo100Std_OTF"/>
+              </a:rPr>
+              <a:t>배열의 </a:t>
+            </a:r>
+            <a:r>
+              <a:rPr lang="en-US" altLang="ko-KR" sz="1400" dirty="0" err="1">
+                <a:solidFill>
+                  <a:srgbClr val="000000"/>
+                </a:solidFill>
+                <a:latin typeface="YoonV YoonMyungjo100Std_OTF"/>
+              </a:rPr>
+              <a:t>indexOf</a:t>
+            </a:r>
+            <a:r>
+              <a:rPr lang="en-US" altLang="ko-KR" sz="1400" dirty="0">
+                <a:solidFill>
+                  <a:srgbClr val="000000"/>
+                </a:solidFill>
+                <a:latin typeface="YoonV YoonMyungjo100Std_OTF"/>
+              </a:rPr>
+              <a:t>() </a:t>
+            </a:r>
+            <a:r>
+              <a:rPr lang="ko-KR" altLang="en-US" sz="1400" dirty="0">
+                <a:solidFill>
+                  <a:srgbClr val="000000"/>
+                </a:solidFill>
+                <a:latin typeface="YoonV YoonMyungjo100Std_OTF"/>
+              </a:rPr>
+              <a:t>메소드도 마찬가지로 작동</a:t>
+            </a:r>
+            <a:endParaRPr lang="en-US" altLang="ko-KR" sz="1400" dirty="0">
               <a:solidFill>
                 <a:srgbClr val="000000"/>
               </a:solidFill>
@@ -17798,8 +17507,17 @@
             </a:endParaRPr>
           </a:p>
           <a:p>
+            <a:pPr lvl="1"/>
+            <a:endParaRPr lang="en-US" altLang="ko-KR" sz="1600" dirty="0">
+              <a:solidFill>
+                <a:srgbClr val="000000"/>
+              </a:solidFill>
+              <a:latin typeface="YoonV YoonMyungjo100Std_OTF"/>
+            </a:endParaRPr>
+          </a:p>
+          <a:p>
             <a:pPr lvl="2"/>
-            <a:endParaRPr lang="en-US" altLang="ko-KR" sz="1400">
+            <a:endParaRPr lang="en-US" altLang="ko-KR" sz="1400" dirty="0">
               <a:solidFill>
                 <a:srgbClr val="000000"/>
               </a:solidFill>
@@ -17808,7 +17526,7 @@
           </a:p>
           <a:p>
             <a:pPr lvl="1"/>
-            <a:endParaRPr lang="en-US" altLang="ko-KR" sz="1600">
+            <a:endParaRPr lang="en-US" altLang="ko-KR" sz="1600" dirty="0">
               <a:solidFill>
                 <a:srgbClr val="000000"/>
               </a:solidFill>
@@ -17817,7 +17535,7 @@
           </a:p>
           <a:p>
             <a:pPr lvl="1"/>
-            <a:endParaRPr lang="en-US" altLang="ko-KR" sz="1600">
+            <a:endParaRPr lang="en-US" altLang="ko-KR" sz="1600" dirty="0">
               <a:solidFill>
                 <a:srgbClr val="000000"/>
               </a:solidFill>
@@ -17826,7 +17544,7 @@
           </a:p>
           <a:p>
             <a:pPr lvl="1"/>
-            <a:endParaRPr lang="en-US" altLang="ko-KR" sz="1600">
+            <a:endParaRPr lang="en-US" altLang="ko-KR" sz="1600" dirty="0">
               <a:solidFill>
                 <a:srgbClr val="000000"/>
               </a:solidFill>
@@ -17835,7 +17553,7 @@
           </a:p>
           <a:p>
             <a:pPr lvl="1"/>
-            <a:endParaRPr lang="en-US" altLang="ko-KR" sz="1600">
+            <a:endParaRPr lang="en-US" altLang="ko-KR" sz="1600" dirty="0">
               <a:solidFill>
                 <a:srgbClr val="000000"/>
               </a:solidFill>
@@ -17844,7 +17562,7 @@
           </a:p>
           <a:p>
             <a:pPr lvl="1"/>
-            <a:endParaRPr lang="en-US" altLang="ko-KR" sz="1600">
+            <a:endParaRPr lang="en-US" altLang="ko-KR" sz="1600" dirty="0">
               <a:solidFill>
                 <a:srgbClr val="000000"/>
               </a:solidFill>
@@ -17853,7 +17571,7 @@
           </a:p>
           <a:p>
             <a:pPr lvl="1"/>
-            <a:endParaRPr lang="en-US" altLang="ko-KR" sz="1600">
+            <a:endParaRPr lang="en-US" altLang="ko-KR" sz="1600" dirty="0">
               <a:solidFill>
                 <a:srgbClr val="000000"/>
               </a:solidFill>
@@ -17862,7 +17580,7 @@
           </a:p>
           <a:p>
             <a:pPr lvl="1"/>
-            <a:endParaRPr lang="en-US" altLang="ko-KR" sz="1600">
+            <a:endParaRPr lang="en-US" altLang="ko-KR" sz="1600" dirty="0">
               <a:solidFill>
                 <a:srgbClr val="000000"/>
               </a:solidFill>
@@ -17871,7 +17589,7 @@
           </a:p>
           <a:p>
             <a:pPr lvl="1"/>
-            <a:endParaRPr lang="en-US" altLang="ko-KR" sz="1600">
+            <a:endParaRPr lang="en-US" altLang="ko-KR" sz="1600" dirty="0">
               <a:solidFill>
                 <a:srgbClr val="000000"/>
               </a:solidFill>
@@ -17901,7 +17619,13 @@
           <p:cNvGraphicFramePr>
             <a:graphicFrameLocks noGrp="1"/>
           </p:cNvGraphicFramePr>
-          <p:nvPr/>
+          <p:nvPr>
+            <p:extLst>
+              <p:ext uri="{D42A27DB-BD31-4B8C-83A1-F6EECF244321}">
+                <p14:modId xmlns:p14="http://schemas.microsoft.com/office/powerpoint/2010/main" val="2031621726"/>
+              </p:ext>
+            </p:extLst>
+          </p:nvPr>
         </p:nvGraphicFramePr>
         <p:xfrm>
           <a:off x="1492459" y="2587392"/>
@@ -22726,19 +22450,6 @@
               </a:rPr>
               <a:t>객체의 기본</a:t>
             </a:r>
-            <a:r>
-              <a:rPr lang="en-US" altLang="ko-KR" sz="4000" dirty="0">
-                <a:latin typeface="KoPubWorld돋움체 Bold" panose="00000800000000000000" pitchFamily="2" charset="-127"/>
-                <a:ea typeface="KoPubWorld돋움체 Bold" panose="00000800000000000000" pitchFamily="2" charset="-127"/>
-                <a:cs typeface="KoPubWorld돋움체 Bold" panose="00000800000000000000" pitchFamily="2" charset="-127"/>
-              </a:rPr>
-              <a:t>(1)</a:t>
-            </a:r>
-            <a:endParaRPr lang="ko-KR" altLang="en-US" sz="4000" dirty="0">
-              <a:latin typeface="KoPubWorld돋움체 Bold" panose="00000800000000000000" pitchFamily="2" charset="-127"/>
-              <a:ea typeface="KoPubWorld돋움체 Bold" panose="00000800000000000000" pitchFamily="2" charset="-127"/>
-              <a:cs typeface="KoPubWorld돋움체 Bold" panose="00000800000000000000" pitchFamily="2" charset="-127"/>
-            </a:endParaRPr>
           </a:p>
         </p:txBody>
       </p:sp>
@@ -22758,8 +22469,8 @@
         </p:nvSpPr>
         <p:spPr>
           <a:xfrm>
-            <a:off x="411931" y="1687200"/>
-            <a:ext cx="11281052" cy="4999638"/>
+            <a:off x="289300" y="1172420"/>
+            <a:ext cx="11281052" cy="707886"/>
           </a:xfrm>
           <a:prstGeom prst="rect">
             <a:avLst/>
@@ -22996,16 +22707,43 @@
                 </a:solidFill>
                 <a:latin typeface="+mn-ea"/>
               </a:rPr>
-              <a:t>객체는 중괄호</a:t>
+              <a:t>객체는 </a:t>
+            </a:r>
+            <a:r>
+              <a:rPr lang="ko-KR" altLang="en-US" sz="1600" dirty="0">
+                <a:solidFill>
+                  <a:srgbClr val="FF0000"/>
+                </a:solidFill>
+                <a:latin typeface="+mn-ea"/>
+              </a:rPr>
+              <a:t>중괄호</a:t>
             </a:r>
             <a:r>
               <a:rPr lang="en-US" altLang="ko-KR" sz="1600" dirty="0">
                 <a:solidFill>
+                  <a:srgbClr val="FF0000"/>
+                </a:solidFill>
+                <a:latin typeface="+mn-ea"/>
+              </a:rPr>
+              <a:t>{...}</a:t>
+            </a:r>
+            <a:r>
+              <a:rPr lang="ko-KR" altLang="en-US" sz="1600" dirty="0">
+                <a:solidFill>
                   <a:srgbClr val="000000"/>
                 </a:solidFill>
                 <a:latin typeface="+mn-ea"/>
               </a:rPr>
-              <a:t>{...}</a:t>
+              <a:t>로 생성하며</a:t>
+            </a:r>
+            <a:r>
+              <a:rPr lang="en-US" altLang="ko-KR" sz="1600" dirty="0">
+                <a:solidFill>
+                  <a:srgbClr val="000000"/>
+                </a:solidFill>
+                <a:latin typeface="+mn-ea"/>
+              </a:rPr>
+              <a:t>, </a:t>
             </a:r>
             <a:r>
               <a:rPr lang="ko-KR" altLang="en-US" sz="1600" dirty="0">
@@ -23014,7 +22752,7 @@
                 </a:solidFill>
                 <a:latin typeface="+mn-ea"/>
               </a:rPr>
-              <a:t>로 생성하며</a:t>
+              <a:t>다음과 같은 형태의 자료를 쉼표</a:t>
             </a:r>
             <a:r>
               <a:rPr lang="en-US" altLang="ko-KR" sz="1600" dirty="0">
@@ -23023,7 +22761,7 @@
                 </a:solidFill>
                 <a:latin typeface="+mn-ea"/>
               </a:rPr>
-              <a:t>, </a:t>
+              <a:t>(,)</a:t>
             </a:r>
             <a:r>
               <a:rPr lang="ko-KR" altLang="en-US" sz="1600" dirty="0">
@@ -23032,61 +22770,7 @@
                 </a:solidFill>
                 <a:latin typeface="+mn-ea"/>
               </a:rPr>
-              <a:t>다음과 같은 형태의 자료를 쉼표</a:t>
-            </a:r>
-            <a:r>
-              <a:rPr lang="en-US" altLang="ko-KR" sz="1600" dirty="0">
-                <a:solidFill>
-                  <a:srgbClr val="000000"/>
-                </a:solidFill>
-                <a:latin typeface="+mn-ea"/>
-              </a:rPr>
-              <a:t>(,)</a:t>
-            </a:r>
-            <a:r>
-              <a:rPr lang="ko-KR" altLang="en-US" sz="1600" dirty="0">
-                <a:solidFill>
-                  <a:srgbClr val="000000"/>
-                </a:solidFill>
-                <a:latin typeface="+mn-ea"/>
-              </a:rPr>
               <a:t>로 연결해서 입력</a:t>
-            </a:r>
-            <a:endParaRPr lang="en-US" altLang="ko-KR" sz="1600" dirty="0">
-              <a:solidFill>
-                <a:srgbClr val="000000"/>
-              </a:solidFill>
-              <a:latin typeface="+mn-ea"/>
-            </a:endParaRPr>
-          </a:p>
-          <a:p>
-            <a:pPr lvl="1"/>
-            <a:endParaRPr lang="en-US" altLang="ko-KR" sz="1600" dirty="0">
-              <a:solidFill>
-                <a:srgbClr val="000000"/>
-              </a:solidFill>
-              <a:latin typeface="+mn-ea"/>
-            </a:endParaRPr>
-          </a:p>
-          <a:p>
-            <a:pPr lvl="1"/>
-            <a:endParaRPr lang="en-US" altLang="ko-KR" sz="1600" dirty="0">
-              <a:solidFill>
-                <a:srgbClr val="000000"/>
-              </a:solidFill>
-              <a:latin typeface="+mn-ea"/>
-            </a:endParaRPr>
-          </a:p>
-          <a:p>
-            <a:pPr lvl="1"/>
-            <a:r>
-              <a:rPr lang="ko-KR" altLang="en-US" sz="1600" dirty="0">
-                <a:solidFill>
-                  <a:srgbClr val="000000"/>
-                </a:solidFill>
-                <a:latin typeface="+mn-ea"/>
-              </a:rPr>
-              <a:t>객체 선언 예시</a:t>
             </a:r>
             <a:endParaRPr lang="en-US" altLang="ko-KR" sz="1600" dirty="0">
               <a:solidFill>
@@ -23109,11 +22793,17 @@
           <p:cNvGraphicFramePr>
             <a:graphicFrameLocks noGrp="1"/>
           </p:cNvGraphicFramePr>
-          <p:nvPr/>
+          <p:nvPr>
+            <p:extLst>
+              <p:ext uri="{D42A27DB-BD31-4B8C-83A1-F6EECF244321}">
+                <p14:modId xmlns:p14="http://schemas.microsoft.com/office/powerpoint/2010/main" val="3009930713"/>
+              </p:ext>
+            </p:extLst>
+          </p:nvPr>
         </p:nvGraphicFramePr>
         <p:xfrm>
-          <a:off x="1492459" y="2313222"/>
-          <a:ext cx="2965938" cy="369332"/>
+          <a:off x="985157" y="2078089"/>
+          <a:ext cx="1480457" cy="369332"/>
         </p:xfrm>
         <a:graphic>
           <a:graphicData uri="http://schemas.openxmlformats.org/drawingml/2006/table">
@@ -23122,7 +22812,7 @@
                 <a:tableStyleId>{5C22544A-7EE6-4342-B048-85BDC9FD1C3A}</a:tableStyleId>
               </a:tblPr>
               <a:tblGrid>
-                <a:gridCol w="2965938">
+                <a:gridCol w="1480457">
                   <a:extLst>
                     <a:ext uri="{9D8B030D-6E8A-4147-A177-3AD203B41FA5}">
                       <a16:colId xmlns:a16="http://schemas.microsoft.com/office/drawing/2014/main" val="861803730"/>
@@ -23138,7 +22828,7 @@
                     <a:p>
                       <a:pPr latinLnBrk="1"/>
                       <a:r>
-                        <a:rPr lang="ko-KR" altLang="en-US" sz="1600" b="0" dirty="0">
+                        <a:rPr lang="ko-KR" altLang="en-US" sz="1600" b="1" dirty="0">
                           <a:solidFill>
                             <a:sysClr val="windowText" lastClr="000000"/>
                           </a:solidFill>
@@ -23146,7 +22836,7 @@
                         <a:t>키</a:t>
                       </a:r>
                       <a:r>
-                        <a:rPr lang="en-US" altLang="ko-KR" sz="1600" b="0" dirty="0">
+                        <a:rPr lang="en-US" altLang="ko-KR" sz="1600" b="1" dirty="0">
                           <a:solidFill>
                             <a:sysClr val="windowText" lastClr="000000"/>
                           </a:solidFill>
@@ -23154,14 +22844,14 @@
                         <a:t>: </a:t>
                       </a:r>
                       <a:r>
-                        <a:rPr lang="ko-KR" altLang="en-US" sz="1600" b="0" dirty="0">
+                        <a:rPr lang="ko-KR" altLang="en-US" sz="1600" b="1" dirty="0">
                           <a:solidFill>
                             <a:sysClr val="windowText" lastClr="000000"/>
                           </a:solidFill>
                         </a:rPr>
                         <a:t>값</a:t>
                       </a:r>
-                      <a:endParaRPr lang="ko-KR" altLang="en-US" sz="1600" b="0" dirty="0">
+                      <a:endParaRPr lang="ko-KR" altLang="en-US" sz="1600" b="1" dirty="0">
                         <a:solidFill>
                           <a:srgbClr val="FF0000"/>
                         </a:solidFill>
@@ -23226,10 +22916,16 @@
           <p:cNvGraphicFramePr>
             <a:graphicFrameLocks noGrp="1"/>
           </p:cNvGraphicFramePr>
-          <p:nvPr/>
+          <p:nvPr>
+            <p:extLst>
+              <p:ext uri="{D42A27DB-BD31-4B8C-83A1-F6EECF244321}">
+                <p14:modId xmlns:p14="http://schemas.microsoft.com/office/powerpoint/2010/main" val="78979395"/>
+              </p:ext>
+            </p:extLst>
+          </p:nvPr>
         </p:nvGraphicFramePr>
         <p:xfrm>
-          <a:off x="1492458" y="3353582"/>
+          <a:off x="803933" y="3429000"/>
           <a:ext cx="5019924" cy="2286000"/>
         </p:xfrm>
         <a:graphic>
@@ -23566,8 +23262,8 @@
         </p:nvSpPr>
         <p:spPr>
           <a:xfrm>
-            <a:off x="3963280" y="3812469"/>
-            <a:ext cx="3933092" cy="523220"/>
+            <a:off x="3691137" y="3887887"/>
+            <a:ext cx="2404863" cy="523220"/>
           </a:xfrm>
           <a:prstGeom prst="rect">
             <a:avLst/>
@@ -23641,7 +23337,7 @@
         </p:nvCxnSpPr>
         <p:spPr>
           <a:xfrm>
-            <a:off x="3719843" y="4010252"/>
+            <a:off x="3447700" y="4085670"/>
             <a:ext cx="243437" cy="0"/>
           </a:xfrm>
           <a:prstGeom prst="straightConnector1">
@@ -23678,10 +23374,16 @@
           <p:cNvGraphicFramePr>
             <a:graphicFrameLocks noGrp="1"/>
           </p:cNvGraphicFramePr>
-          <p:nvPr/>
+          <p:nvPr>
+            <p:extLst>
+              <p:ext uri="{D42A27DB-BD31-4B8C-83A1-F6EECF244321}">
+                <p14:modId xmlns:p14="http://schemas.microsoft.com/office/powerpoint/2010/main" val="1516515985"/>
+              </p:ext>
+            </p:extLst>
+          </p:nvPr>
         </p:nvGraphicFramePr>
         <p:xfrm>
-          <a:off x="6605395" y="3353582"/>
+          <a:off x="6333252" y="3429000"/>
           <a:ext cx="4842608" cy="1666875"/>
         </p:xfrm>
         <a:graphic>
@@ -24346,6 +24048,41 @@
           </a:graphicData>
         </a:graphic>
       </p:graphicFrame>
+      <p:sp>
+        <p:nvSpPr>
+          <p:cNvPr id="10" name="TextBox 9">
+            <a:extLst>
+              <a:ext uri="{FF2B5EF4-FFF2-40B4-BE49-F238E27FC236}">
+                <a16:creationId xmlns:a16="http://schemas.microsoft.com/office/drawing/2014/main" id="{1CEC8359-2B3D-0B80-964D-882F10F4E96D}"/>
+              </a:ext>
+            </a:extLst>
+          </p:cNvPr>
+          <p:cNvSpPr txBox="1"/>
+          <p:nvPr/>
+        </p:nvSpPr>
+        <p:spPr>
+          <a:xfrm>
+            <a:off x="729343" y="2759396"/>
+            <a:ext cx="3782785" cy="369332"/>
+          </a:xfrm>
+          <a:prstGeom prst="rect">
+            <a:avLst/>
+          </a:prstGeom>
+          <a:noFill/>
+        </p:spPr>
+        <p:txBody>
+          <a:bodyPr wrap="square">
+            <a:spAutoFit/>
+          </a:bodyPr>
+          <a:lstStyle/>
+          <a:p>
+            <a:r>
+              <a:rPr lang="ko-KR" altLang="en-US" dirty="0"/>
+              <a:t>객체 선언 예시</a:t>
+            </a:r>
+          </a:p>
+        </p:txBody>
+      </p:sp>
     </p:spTree>
     <p:extLst>
       <p:ext uri="{BB962C8B-B14F-4D97-AF65-F5344CB8AC3E}">
@@ -28106,7 +27843,7 @@
         <p:spPr>
           <a:xfrm>
             <a:off x="306648" y="319086"/>
-            <a:ext cx="9055066" cy="707886"/>
+            <a:ext cx="5098109" cy="707886"/>
           </a:xfrm>
           <a:prstGeom prst="rect">
             <a:avLst/>
@@ -28125,21 +27862,8 @@
                 <a:ea typeface="KoPubWorld돋움체 Bold" panose="00000800000000000000" pitchFamily="2" charset="-127"/>
                 <a:cs typeface="KoPubWorld돋움체 Bold" panose="00000800000000000000" pitchFamily="2" charset="-127"/>
               </a:rPr>
-              <a:t>객체의 기본</a:t>
-            </a:r>
-            <a:r>
-              <a:rPr lang="en-US" altLang="ko-KR" sz="4000" dirty="0">
-                <a:latin typeface="KoPubWorld돋움체 Bold" panose="00000800000000000000" pitchFamily="2" charset="-127"/>
-                <a:ea typeface="KoPubWorld돋움체 Bold" panose="00000800000000000000" pitchFamily="2" charset="-127"/>
-                <a:cs typeface="KoPubWorld돋움체 Bold" panose="00000800000000000000" pitchFamily="2" charset="-127"/>
-              </a:rPr>
-              <a:t>(1)</a:t>
-            </a:r>
-            <a:endParaRPr lang="ko-KR" altLang="en-US" sz="4000" dirty="0">
-              <a:latin typeface="KoPubWorld돋움체 Bold" panose="00000800000000000000" pitchFamily="2" charset="-127"/>
-              <a:ea typeface="KoPubWorld돋움체 Bold" panose="00000800000000000000" pitchFamily="2" charset="-127"/>
-              <a:cs typeface="KoPubWorld돋움체 Bold" panose="00000800000000000000" pitchFamily="2" charset="-127"/>
-            </a:endParaRPr>
+              <a:t>프로퍼티 접근</a:t>
+            </a:r>
           </a:p>
         </p:txBody>
       </p:sp>
@@ -28159,8 +27883,8 @@
         </p:nvSpPr>
         <p:spPr>
           <a:xfrm>
-            <a:off x="504459" y="1794733"/>
-            <a:ext cx="11281052" cy="4999638"/>
+            <a:off x="347480" y="3717656"/>
+            <a:ext cx="10680612" cy="1167969"/>
           </a:xfrm>
           <a:prstGeom prst="rect">
             <a:avLst/>
@@ -28343,56 +28067,8 @@
                 </a:solidFill>
                 <a:latin typeface="+mn-ea"/>
               </a:rPr>
-              <a:t>객체 요소에 접근하기</a:t>
-            </a:r>
-            <a:r>
-              <a:rPr lang="en-US" altLang="ko-KR" sz="1600" dirty="0">
-                <a:solidFill>
-                  <a:srgbClr val="000000"/>
-                </a:solidFill>
-                <a:latin typeface="+mn-ea"/>
-              </a:rPr>
-              <a:t>(</a:t>
-            </a:r>
-            <a:r>
-              <a:rPr lang="ko-KR" altLang="en-US" sz="1600" dirty="0">
-                <a:solidFill>
-                  <a:srgbClr val="000000"/>
-                </a:solidFill>
-                <a:latin typeface="+mn-ea"/>
-              </a:rPr>
-              <a:t>대괄호 </a:t>
-            </a:r>
-            <a:r>
-              <a:rPr lang="en-US" altLang="ko-KR" sz="1600" dirty="0">
-                <a:solidFill>
-                  <a:srgbClr val="000000"/>
-                </a:solidFill>
-                <a:latin typeface="+mn-ea"/>
-              </a:rPr>
-              <a:t>[ ] </a:t>
-            </a:r>
-            <a:r>
-              <a:rPr lang="ko-KR" altLang="en-US" sz="1600" dirty="0">
-                <a:solidFill>
-                  <a:srgbClr val="000000"/>
-                </a:solidFill>
-                <a:latin typeface="+mn-ea"/>
-              </a:rPr>
-              <a:t>사용</a:t>
-            </a:r>
-            <a:r>
-              <a:rPr lang="en-US" altLang="ko-KR" sz="1600" dirty="0">
-                <a:solidFill>
-                  <a:srgbClr val="000000"/>
-                </a:solidFill>
-                <a:latin typeface="+mn-ea"/>
-              </a:rPr>
-              <a:t>)</a:t>
-            </a:r>
-          </a:p>
-          <a:p>
-            <a:pPr lvl="1"/>
+              <a:t>식별자로 사용할 수 없는 단어를 키로 사용할 경우</a:t>
+            </a:r>
             <a:endParaRPr lang="en-US" altLang="ko-KR" sz="1600" dirty="0">
               <a:solidFill>
                 <a:srgbClr val="000000"/>
@@ -28401,144 +28077,6 @@
             </a:endParaRPr>
           </a:p>
           <a:p>
-            <a:pPr lvl="1"/>
-            <a:endParaRPr lang="en-US" altLang="ko-KR" sz="1600" dirty="0">
-              <a:solidFill>
-                <a:srgbClr val="000000"/>
-              </a:solidFill>
-              <a:latin typeface="+mn-ea"/>
-            </a:endParaRPr>
-          </a:p>
-          <a:p>
-            <a:pPr lvl="1"/>
-            <a:endParaRPr lang="en-US" altLang="ko-KR" sz="1600" dirty="0">
-              <a:solidFill>
-                <a:srgbClr val="000000"/>
-              </a:solidFill>
-              <a:latin typeface="+mn-ea"/>
-            </a:endParaRPr>
-          </a:p>
-          <a:p>
-            <a:pPr lvl="1"/>
-            <a:endParaRPr lang="en-US" altLang="ko-KR" sz="1600" dirty="0">
-              <a:solidFill>
-                <a:srgbClr val="000000"/>
-              </a:solidFill>
-              <a:latin typeface="+mn-ea"/>
-            </a:endParaRPr>
-          </a:p>
-          <a:p>
-            <a:pPr lvl="1"/>
-            <a:r>
-              <a:rPr lang="ko-KR" altLang="en-US" sz="1600" dirty="0">
-                <a:solidFill>
-                  <a:srgbClr val="000000"/>
-                </a:solidFill>
-                <a:latin typeface="+mn-ea"/>
-              </a:rPr>
-              <a:t>객체 요소에 접근하기</a:t>
-            </a:r>
-            <a:r>
-              <a:rPr lang="en-US" altLang="ko-KR" sz="1600" dirty="0">
-                <a:solidFill>
-                  <a:srgbClr val="000000"/>
-                </a:solidFill>
-                <a:latin typeface="+mn-ea"/>
-              </a:rPr>
-              <a:t>(</a:t>
-            </a:r>
-            <a:r>
-              <a:rPr lang="ko-KR" altLang="en-US" sz="1600" dirty="0">
-                <a:solidFill>
-                  <a:srgbClr val="000000"/>
-                </a:solidFill>
-                <a:latin typeface="+mn-ea"/>
-              </a:rPr>
-              <a:t>온점 </a:t>
-            </a:r>
-            <a:r>
-              <a:rPr lang="en-US" altLang="ko-KR" sz="1600" dirty="0">
-                <a:solidFill>
-                  <a:srgbClr val="000000"/>
-                </a:solidFill>
-                <a:latin typeface="+mn-ea"/>
-              </a:rPr>
-              <a:t>. </a:t>
-            </a:r>
-            <a:r>
-              <a:rPr lang="ko-KR" altLang="en-US" sz="1600" dirty="0">
-                <a:solidFill>
-                  <a:srgbClr val="000000"/>
-                </a:solidFill>
-                <a:latin typeface="+mn-ea"/>
-              </a:rPr>
-              <a:t>사용</a:t>
-            </a:r>
-            <a:r>
-              <a:rPr lang="en-US" altLang="ko-KR" sz="1600" dirty="0">
-                <a:solidFill>
-                  <a:srgbClr val="000000"/>
-                </a:solidFill>
-                <a:latin typeface="+mn-ea"/>
-              </a:rPr>
-              <a:t>)</a:t>
-            </a:r>
-          </a:p>
-          <a:p>
-            <a:pPr lvl="1"/>
-            <a:endParaRPr lang="en-US" altLang="ko-KR" sz="1600" dirty="0">
-              <a:solidFill>
-                <a:srgbClr val="000000"/>
-              </a:solidFill>
-              <a:latin typeface="+mn-ea"/>
-            </a:endParaRPr>
-          </a:p>
-          <a:p>
-            <a:pPr lvl="1"/>
-            <a:endParaRPr lang="en-US" altLang="ko-KR" sz="1600" dirty="0">
-              <a:solidFill>
-                <a:srgbClr val="000000"/>
-              </a:solidFill>
-              <a:latin typeface="+mn-ea"/>
-            </a:endParaRPr>
-          </a:p>
-          <a:p>
-            <a:pPr lvl="1"/>
-            <a:endParaRPr lang="en-US" altLang="ko-KR" sz="1600" dirty="0">
-              <a:solidFill>
-                <a:srgbClr val="000000"/>
-              </a:solidFill>
-              <a:latin typeface="+mn-ea"/>
-            </a:endParaRPr>
-          </a:p>
-          <a:p>
-            <a:pPr lvl="1"/>
-            <a:endParaRPr lang="en-US" altLang="ko-KR" sz="1600" dirty="0">
-              <a:solidFill>
-                <a:srgbClr val="000000"/>
-              </a:solidFill>
-              <a:latin typeface="+mn-ea"/>
-            </a:endParaRPr>
-          </a:p>
-          <a:p>
-            <a:pPr lvl="1"/>
-            <a:r>
-              <a:rPr lang="ko-KR" altLang="en-US" sz="1600" dirty="0">
-                <a:solidFill>
-                  <a:srgbClr val="000000"/>
-                </a:solidFill>
-                <a:latin typeface="+mn-ea"/>
-              </a:rPr>
-              <a:t>식별자로 사용할 수 없는 단어를 키로 사용할 경우</a:t>
-            </a:r>
-            <a:endParaRPr lang="en-US" altLang="ko-KR" sz="1600" dirty="0">
-              <a:solidFill>
-                <a:srgbClr val="000000"/>
-              </a:solidFill>
-              <a:latin typeface="+mn-ea"/>
-            </a:endParaRPr>
-          </a:p>
-          <a:p>
             <a:pPr lvl="2"/>
             <a:r>
               <a:rPr lang="ko-KR" altLang="en-US" sz="1400" dirty="0">
@@ -28647,78 +28185,6 @@
               </a:rPr>
               <a:t>를 사용해야 객체의 요소에 접근 가능</a:t>
             </a:r>
-            <a:endParaRPr lang="en-US" altLang="ko-KR" sz="1400" dirty="0">
-              <a:solidFill>
-                <a:srgbClr val="000000"/>
-              </a:solidFill>
-              <a:latin typeface="+mn-ea"/>
-            </a:endParaRPr>
-          </a:p>
-          <a:p>
-            <a:pPr lvl="1"/>
-            <a:endParaRPr lang="en-US" altLang="ko-KR" sz="1600" dirty="0">
-              <a:solidFill>
-                <a:srgbClr val="000000"/>
-              </a:solidFill>
-              <a:latin typeface="+mn-ea"/>
-            </a:endParaRPr>
-          </a:p>
-          <a:p>
-            <a:pPr lvl="1"/>
-            <a:endParaRPr lang="en-US" altLang="ko-KR" sz="1600" dirty="0">
-              <a:solidFill>
-                <a:srgbClr val="000000"/>
-              </a:solidFill>
-              <a:latin typeface="+mn-ea"/>
-            </a:endParaRPr>
-          </a:p>
-          <a:p>
-            <a:pPr lvl="1"/>
-            <a:endParaRPr lang="en-US" altLang="ko-KR" sz="1600" dirty="0">
-              <a:solidFill>
-                <a:srgbClr val="000000"/>
-              </a:solidFill>
-              <a:latin typeface="+mn-ea"/>
-            </a:endParaRPr>
-          </a:p>
-          <a:p>
-            <a:pPr lvl="1"/>
-            <a:endParaRPr lang="en-US" altLang="ko-KR" sz="1600" dirty="0">
-              <a:solidFill>
-                <a:srgbClr val="000000"/>
-              </a:solidFill>
-              <a:latin typeface="+mn-ea"/>
-            </a:endParaRPr>
-          </a:p>
-          <a:p>
-            <a:pPr lvl="1"/>
-            <a:endParaRPr lang="en-US" altLang="ko-KR" sz="1600" dirty="0">
-              <a:solidFill>
-                <a:srgbClr val="000000"/>
-              </a:solidFill>
-              <a:latin typeface="+mn-ea"/>
-            </a:endParaRPr>
-          </a:p>
-          <a:p>
-            <a:pPr lvl="1"/>
-            <a:endParaRPr lang="en-US" altLang="ko-KR" sz="1600" dirty="0">
-              <a:solidFill>
-                <a:srgbClr val="000000"/>
-              </a:solidFill>
-              <a:latin typeface="+mn-ea"/>
-            </a:endParaRPr>
-          </a:p>
-          <a:p>
-            <a:pPr lvl="1"/>
-            <a:endParaRPr lang="en-US" altLang="ko-KR" sz="1600" dirty="0">
-              <a:solidFill>
-                <a:srgbClr val="000000"/>
-              </a:solidFill>
-              <a:latin typeface="+mn-ea"/>
-            </a:endParaRPr>
-          </a:p>
-          <a:p>
-            <a:pPr lvl="1"/>
             <a:endParaRPr lang="en-US" altLang="ko-KR" sz="1600" dirty="0">
               <a:solidFill>
                 <a:srgbClr val="000000"/>
@@ -28740,10 +28206,16 @@
           <p:cNvGraphicFramePr>
             <a:graphicFrameLocks noGrp="1"/>
           </p:cNvGraphicFramePr>
-          <p:nvPr/>
+          <p:nvPr>
+            <p:extLst>
+              <p:ext uri="{D42A27DB-BD31-4B8C-83A1-F6EECF244321}">
+                <p14:modId xmlns:p14="http://schemas.microsoft.com/office/powerpoint/2010/main" val="406003165"/>
+              </p:ext>
+            </p:extLst>
+          </p:nvPr>
         </p:nvGraphicFramePr>
         <p:xfrm>
-          <a:off x="1492459" y="2120492"/>
+          <a:off x="289587" y="1970749"/>
           <a:ext cx="2992134" cy="1066800"/>
         </p:xfrm>
         <a:graphic>
@@ -28940,7 +28412,7 @@
         </p:nvSpPr>
         <p:spPr>
           <a:xfrm>
-            <a:off x="3552972" y="2142667"/>
+            <a:off x="2350100" y="1992924"/>
             <a:ext cx="3933092" cy="307777"/>
           </a:xfrm>
           <a:prstGeom prst="rect">
@@ -28997,7 +28469,7 @@
         </p:nvCxnSpPr>
         <p:spPr>
           <a:xfrm>
-            <a:off x="3309535" y="2271917"/>
+            <a:off x="2106663" y="2122174"/>
             <a:ext cx="243437" cy="0"/>
           </a:xfrm>
           <a:prstGeom prst="straightConnector1">
@@ -29036,7 +28508,7 @@
         </p:nvSpPr>
         <p:spPr>
           <a:xfrm>
-            <a:off x="3552972" y="2398326"/>
+            <a:off x="2350100" y="2248583"/>
             <a:ext cx="3933092" cy="307777"/>
           </a:xfrm>
           <a:prstGeom prst="rect">
@@ -29091,7 +28563,7 @@
         </p:nvSpPr>
         <p:spPr>
           <a:xfrm>
-            <a:off x="3552972" y="2653985"/>
+            <a:off x="2350100" y="2504242"/>
             <a:ext cx="3933092" cy="307777"/>
           </a:xfrm>
           <a:prstGeom prst="rect">
@@ -29194,7 +28666,7 @@
         </p:nvSpPr>
         <p:spPr>
           <a:xfrm>
-            <a:off x="3552972" y="2909644"/>
+            <a:off x="2350100" y="2759901"/>
             <a:ext cx="3933092" cy="307777"/>
           </a:xfrm>
           <a:prstGeom prst="rect">
@@ -29251,7 +28723,7 @@
         </p:nvCxnSpPr>
         <p:spPr>
           <a:xfrm>
-            <a:off x="3309535" y="2525917"/>
+            <a:off x="2106663" y="2376174"/>
             <a:ext cx="243437" cy="0"/>
           </a:xfrm>
           <a:prstGeom prst="straightConnector1">
@@ -29292,7 +28764,7 @@
         </p:nvCxnSpPr>
         <p:spPr>
           <a:xfrm>
-            <a:off x="3309535" y="2779917"/>
+            <a:off x="2106663" y="2630174"/>
             <a:ext cx="243437" cy="0"/>
           </a:xfrm>
           <a:prstGeom prst="straightConnector1">
@@ -29333,7 +28805,7 @@
         </p:nvCxnSpPr>
         <p:spPr>
           <a:xfrm>
-            <a:off x="3309535" y="3033917"/>
+            <a:off x="2106663" y="2884174"/>
             <a:ext cx="243437" cy="0"/>
           </a:xfrm>
           <a:prstGeom prst="straightConnector1">
@@ -29370,10 +28842,16 @@
           <p:cNvGraphicFramePr>
             <a:graphicFrameLocks noGrp="1"/>
           </p:cNvGraphicFramePr>
-          <p:nvPr/>
+          <p:nvPr>
+            <p:extLst>
+              <p:ext uri="{D42A27DB-BD31-4B8C-83A1-F6EECF244321}">
+                <p14:modId xmlns:p14="http://schemas.microsoft.com/office/powerpoint/2010/main" val="2421383311"/>
+              </p:ext>
+            </p:extLst>
+          </p:nvPr>
         </p:nvGraphicFramePr>
         <p:xfrm>
-          <a:off x="1492459" y="3722087"/>
+          <a:off x="6358373" y="1960682"/>
           <a:ext cx="2992134" cy="1066800"/>
         </p:xfrm>
         <a:graphic>
@@ -29553,7 +29031,7 @@
         </p:nvSpPr>
         <p:spPr>
           <a:xfrm>
-            <a:off x="3552972" y="3731116"/>
+            <a:off x="8418886" y="1969711"/>
             <a:ext cx="3933092" cy="307777"/>
           </a:xfrm>
           <a:prstGeom prst="rect">
@@ -29610,7 +29088,7 @@
         </p:nvCxnSpPr>
         <p:spPr>
           <a:xfrm>
-            <a:off x="3309535" y="3860366"/>
+            <a:off x="8175449" y="2098961"/>
             <a:ext cx="243437" cy="0"/>
           </a:xfrm>
           <a:prstGeom prst="straightConnector1">
@@ -29649,7 +29127,7 @@
         </p:nvSpPr>
         <p:spPr>
           <a:xfrm>
-            <a:off x="3552972" y="3986775"/>
+            <a:off x="8418886" y="2225370"/>
             <a:ext cx="3933092" cy="307777"/>
           </a:xfrm>
           <a:prstGeom prst="rect">
@@ -29704,7 +29182,7 @@
         </p:nvSpPr>
         <p:spPr>
           <a:xfrm>
-            <a:off x="3552972" y="4242434"/>
+            <a:off x="8418886" y="2481029"/>
             <a:ext cx="3933092" cy="307777"/>
           </a:xfrm>
           <a:prstGeom prst="rect">
@@ -29807,7 +29285,7 @@
         </p:nvSpPr>
         <p:spPr>
           <a:xfrm>
-            <a:off x="3552972" y="4498093"/>
+            <a:off x="8418886" y="2736688"/>
             <a:ext cx="3933092" cy="307777"/>
           </a:xfrm>
           <a:prstGeom prst="rect">
@@ -29864,7 +29342,7 @@
         </p:nvCxnSpPr>
         <p:spPr>
           <a:xfrm>
-            <a:off x="3309535" y="4114366"/>
+            <a:off x="8175449" y="2352961"/>
             <a:ext cx="243437" cy="0"/>
           </a:xfrm>
           <a:prstGeom prst="straightConnector1">
@@ -29905,7 +29383,7 @@
         </p:nvCxnSpPr>
         <p:spPr>
           <a:xfrm>
-            <a:off x="3309535" y="4368366"/>
+            <a:off x="8175449" y="2606961"/>
             <a:ext cx="243437" cy="0"/>
           </a:xfrm>
           <a:prstGeom prst="straightConnector1">
@@ -29946,7 +29424,7 @@
         </p:nvCxnSpPr>
         <p:spPr>
           <a:xfrm>
-            <a:off x="3309535" y="4622366"/>
+            <a:off x="8175449" y="2860961"/>
             <a:ext cx="243437" cy="0"/>
           </a:xfrm>
           <a:prstGeom prst="straightConnector1">
@@ -29971,6 +29449,76 @@
           </a:fontRef>
         </p:style>
       </p:cxnSp>
+      <p:sp>
+        <p:nvSpPr>
+          <p:cNvPr id="23" name="TextBox 22">
+            <a:extLst>
+              <a:ext uri="{FF2B5EF4-FFF2-40B4-BE49-F238E27FC236}">
+                <a16:creationId xmlns:a16="http://schemas.microsoft.com/office/drawing/2014/main" id="{03385D10-858F-84EE-1FC8-BE388DC3BE70}"/>
+              </a:ext>
+            </a:extLst>
+          </p:cNvPr>
+          <p:cNvSpPr txBox="1"/>
+          <p:nvPr/>
+        </p:nvSpPr>
+        <p:spPr>
+          <a:xfrm>
+            <a:off x="146957" y="1318188"/>
+            <a:ext cx="4234543" cy="369332"/>
+          </a:xfrm>
+          <a:prstGeom prst="rect">
+            <a:avLst/>
+          </a:prstGeom>
+          <a:noFill/>
+        </p:spPr>
+        <p:txBody>
+          <a:bodyPr wrap="square">
+            <a:spAutoFit/>
+          </a:bodyPr>
+          <a:lstStyle/>
+          <a:p>
+            <a:r>
+              <a:rPr lang="ko-KR" altLang="en-US" dirty="0"/>
+              <a:t>객체 요소에 접근하기(대괄호 [ ] 사용)</a:t>
+            </a:r>
+          </a:p>
+        </p:txBody>
+      </p:sp>
+      <p:sp>
+        <p:nvSpPr>
+          <p:cNvPr id="25" name="TextBox 24">
+            <a:extLst>
+              <a:ext uri="{FF2B5EF4-FFF2-40B4-BE49-F238E27FC236}">
+                <a16:creationId xmlns:a16="http://schemas.microsoft.com/office/drawing/2014/main" id="{89B47F2D-13F5-732C-B4E8-6FECA50C193C}"/>
+              </a:ext>
+            </a:extLst>
+          </p:cNvPr>
+          <p:cNvSpPr txBox="1"/>
+          <p:nvPr/>
+        </p:nvSpPr>
+        <p:spPr>
+          <a:xfrm>
+            <a:off x="6283192" y="1318188"/>
+            <a:ext cx="3978729" cy="369332"/>
+          </a:xfrm>
+          <a:prstGeom prst="rect">
+            <a:avLst/>
+          </a:prstGeom>
+          <a:noFill/>
+        </p:spPr>
+        <p:txBody>
+          <a:bodyPr wrap="square">
+            <a:spAutoFit/>
+          </a:bodyPr>
+          <a:lstStyle/>
+          <a:p>
+            <a:r>
+              <a:rPr lang="ko-KR" altLang="en-US" dirty="0"/>
+              <a:t>객체 요소에 접근하기(온점 . 사용)</a:t>
+            </a:r>
+          </a:p>
+        </p:txBody>
+      </p:sp>
     </p:spTree>
     <p:extLst>
       <p:ext uri="{BB962C8B-B14F-4D97-AF65-F5344CB8AC3E}">
@@ -30215,7 +29763,7 @@
                   <a:schemeClr val="bg1"/>
                 </a:solidFill>
               </a:rPr>
-              <a:t>6</a:t>
+              <a:t>2</a:t>
             </a:r>
             <a:r>
               <a:rPr sz="1200" b="0" spc="-35" dirty="0">
@@ -30465,8 +30013,8 @@
         </p:nvSpPr>
         <p:spPr>
           <a:xfrm>
-            <a:off x="455474" y="1217779"/>
-            <a:ext cx="11281052" cy="4999638"/>
+            <a:off x="4483188" y="1553226"/>
+            <a:ext cx="6179370" cy="1432892"/>
           </a:xfrm>
           <a:prstGeom prst="rect">
             <a:avLst/>
@@ -30641,16 +30189,35 @@
             </a:lvl9pPr>
           </a:lstStyle>
           <a:p>
-            <a:r>
-              <a:rPr lang="ko-KR" altLang="en-US">
+            <a:pPr lvl="1"/>
+            <a:r>
+              <a:rPr lang="ko-KR" altLang="en-US" sz="1600" dirty="0">
                 <a:solidFill>
                   <a:srgbClr val="000000"/>
                 </a:solidFill>
                 <a:latin typeface="+mn-ea"/>
               </a:rPr>
-              <a:t>속성과 메소드</a:t>
-            </a:r>
-            <a:endParaRPr lang="en-US" altLang="ko-KR">
+              <a:t>객체의 속성은 모든 형태의 </a:t>
+            </a:r>
+            <a:r>
+              <a:rPr lang="ko-KR" altLang="en-US" sz="1600" dirty="0" err="1">
+                <a:solidFill>
+                  <a:srgbClr val="000000"/>
+                </a:solidFill>
+                <a:latin typeface="+mn-ea"/>
+              </a:rPr>
+              <a:t>자료값을</a:t>
+            </a:r>
+            <a:r>
+              <a:rPr lang="ko-KR" altLang="en-US" sz="1600" dirty="0">
+                <a:solidFill>
+                  <a:srgbClr val="000000"/>
+                </a:solidFill>
+                <a:latin typeface="+mn-ea"/>
+              </a:rPr>
+              <a:t> 가질 수 있음</a:t>
+            </a:r>
+            <a:endParaRPr lang="en-US" altLang="ko-KR" sz="1600" dirty="0">
               <a:solidFill>
                 <a:srgbClr val="000000"/>
               </a:solidFill>
@@ -30660,15 +30227,15 @@
           <a:p>
             <a:pPr lvl="1"/>
             <a:r>
-              <a:rPr lang="ko-KR" altLang="en-US" sz="1600">
+              <a:rPr lang="ko-KR" altLang="en-US" sz="1600" dirty="0">
                 <a:solidFill>
                   <a:srgbClr val="000000"/>
                 </a:solidFill>
                 <a:latin typeface="+mn-ea"/>
               </a:rPr>
-              <a:t>객체의 속성은 모든 형태의 자료값을 가질 수 있음</a:t>
-            </a:r>
-            <a:endParaRPr lang="en-US" altLang="ko-KR" sz="1600">
+              <a:t>속성과 메소드 구분하기</a:t>
+            </a:r>
+            <a:endParaRPr lang="en-US" altLang="ko-KR" sz="1600" dirty="0">
               <a:solidFill>
                 <a:srgbClr val="000000"/>
               </a:solidFill>
@@ -30676,17 +30243,53 @@
             </a:endParaRPr>
           </a:p>
           <a:p>
-            <a:pPr lvl="1"/>
-            <a:r>
-              <a:rPr lang="ko-KR" altLang="en-US" sz="1600">
+            <a:pPr lvl="2"/>
+            <a:r>
+              <a:rPr lang="ko-KR" altLang="en-US" sz="1400" dirty="0">
                 <a:solidFill>
                   <a:srgbClr val="000000"/>
                 </a:solidFill>
                 <a:latin typeface="+mn-ea"/>
               </a:rPr>
-              <a:t>속성과 메소드 구분하기</a:t>
-            </a:r>
-            <a:endParaRPr lang="en-US" altLang="ko-KR" sz="1600">
+              <a:t>메소드</a:t>
+            </a:r>
+            <a:r>
+              <a:rPr lang="en-US" altLang="ko-KR" sz="1400" dirty="0">
+                <a:solidFill>
+                  <a:srgbClr val="000000"/>
+                </a:solidFill>
+                <a:latin typeface="+mn-ea"/>
+              </a:rPr>
+              <a:t>: </a:t>
+            </a:r>
+            <a:r>
+              <a:rPr lang="ko-KR" altLang="en-US" sz="1400" dirty="0">
+                <a:solidFill>
+                  <a:srgbClr val="000000"/>
+                </a:solidFill>
+                <a:latin typeface="+mn-ea"/>
+              </a:rPr>
+              <a:t>객체의 속성 중 함수 </a:t>
+            </a:r>
+            <a:r>
+              <a:rPr lang="ko-KR" altLang="en-US" sz="1400" dirty="0" err="1">
+                <a:solidFill>
+                  <a:srgbClr val="000000"/>
+                </a:solidFill>
+                <a:latin typeface="+mn-ea"/>
+              </a:rPr>
+              <a:t>자료형인</a:t>
+            </a:r>
+            <a:r>
+              <a:rPr lang="ko-KR" altLang="en-US" sz="1400" dirty="0">
+                <a:solidFill>
+                  <a:srgbClr val="000000"/>
+                </a:solidFill>
+                <a:latin typeface="+mn-ea"/>
+              </a:rPr>
+              <a:t> 속성</a:t>
+            </a:r>
+            <a:endParaRPr lang="en-US" altLang="ko-KR" sz="1400" dirty="0">
               <a:solidFill>
                 <a:srgbClr val="000000"/>
               </a:solidFill>
@@ -30696,150 +30299,24 @@
           <a:p>
             <a:pPr lvl="2"/>
             <a:r>
-              <a:rPr lang="ko-KR" altLang="en-US" sz="1400">
+              <a:rPr lang="en-US" altLang="ko-KR" sz="1400" dirty="0">
                 <a:solidFill>
                   <a:srgbClr val="000000"/>
                 </a:solidFill>
                 <a:latin typeface="+mn-ea"/>
               </a:rPr>
-              <a:t>메소드</a:t>
-            </a:r>
-            <a:r>
-              <a:rPr lang="en-US" altLang="ko-KR" sz="1400">
+              <a:t>eat</a:t>
+            </a:r>
+            <a:r>
+              <a:rPr lang="ko-KR" altLang="en-US" sz="1400" dirty="0">
                 <a:solidFill>
                   <a:srgbClr val="000000"/>
                 </a:solidFill>
                 <a:latin typeface="+mn-ea"/>
               </a:rPr>
-              <a:t>: </a:t>
-            </a:r>
-            <a:r>
-              <a:rPr lang="ko-KR" altLang="en-US" sz="1400">
-                <a:solidFill>
-                  <a:srgbClr val="000000"/>
-                </a:solidFill>
-                <a:latin typeface="+mn-ea"/>
-              </a:rPr>
-              <a:t>객체의 속성 중 함수 자료형인 속성</a:t>
-            </a:r>
-            <a:endParaRPr lang="en-US" altLang="ko-KR" sz="1400">
-              <a:solidFill>
-                <a:srgbClr val="000000"/>
-              </a:solidFill>
-              <a:latin typeface="+mn-ea"/>
-            </a:endParaRPr>
-          </a:p>
-          <a:p>
-            <a:pPr lvl="2"/>
-            <a:r>
-              <a:rPr lang="en-US" altLang="ko-KR" sz="1400">
-                <a:solidFill>
-                  <a:srgbClr val="000000"/>
-                </a:solidFill>
-                <a:latin typeface="+mn-ea"/>
-              </a:rPr>
-              <a:t>eat</a:t>
-            </a:r>
-            <a:r>
-              <a:rPr lang="ko-KR" altLang="en-US" sz="1400">
-                <a:solidFill>
-                  <a:srgbClr val="000000"/>
-                </a:solidFill>
-                <a:latin typeface="+mn-ea"/>
-              </a:rPr>
               <a:t> 메소드</a:t>
             </a:r>
-            <a:endParaRPr lang="en-US" altLang="ko-KR" sz="1400">
-              <a:solidFill>
-                <a:srgbClr val="000000"/>
-              </a:solidFill>
-              <a:latin typeface="+mn-ea"/>
-            </a:endParaRPr>
-          </a:p>
-          <a:p>
-            <a:pPr lvl="1"/>
-            <a:endParaRPr lang="en-US" altLang="ko-KR" sz="1600">
-              <a:solidFill>
-                <a:srgbClr val="000000"/>
-              </a:solidFill>
-              <a:latin typeface="+mn-ea"/>
-            </a:endParaRPr>
-          </a:p>
-          <a:p>
-            <a:pPr lvl="1"/>
-            <a:endParaRPr lang="en-US" altLang="ko-KR" sz="1600">
-              <a:solidFill>
-                <a:srgbClr val="000000"/>
-              </a:solidFill>
-              <a:latin typeface="+mn-ea"/>
-            </a:endParaRPr>
-          </a:p>
-          <a:p>
-            <a:pPr lvl="1"/>
-            <a:endParaRPr lang="en-US" altLang="ko-KR" sz="1600">
-              <a:solidFill>
-                <a:srgbClr val="000000"/>
-              </a:solidFill>
-              <a:latin typeface="+mn-ea"/>
-            </a:endParaRPr>
-          </a:p>
-          <a:p>
-            <a:pPr lvl="1"/>
-            <a:endParaRPr lang="en-US" altLang="ko-KR" sz="1600">
-              <a:solidFill>
-                <a:srgbClr val="000000"/>
-              </a:solidFill>
-              <a:latin typeface="+mn-ea"/>
-            </a:endParaRPr>
-          </a:p>
-          <a:p>
-            <a:pPr lvl="1"/>
-            <a:endParaRPr lang="en-US" altLang="ko-KR" sz="1600">
-              <a:solidFill>
-                <a:srgbClr val="000000"/>
-              </a:solidFill>
-              <a:latin typeface="+mn-ea"/>
-            </a:endParaRPr>
-          </a:p>
-          <a:p>
-            <a:pPr lvl="1"/>
-            <a:endParaRPr lang="en-US" altLang="ko-KR" sz="1600">
-              <a:solidFill>
-                <a:srgbClr val="000000"/>
-              </a:solidFill>
-              <a:latin typeface="+mn-ea"/>
-            </a:endParaRPr>
-          </a:p>
-          <a:p>
-            <a:pPr lvl="1"/>
-            <a:endParaRPr lang="en-US" altLang="ko-KR" sz="1600">
-              <a:solidFill>
-                <a:srgbClr val="000000"/>
-              </a:solidFill>
-              <a:latin typeface="+mn-ea"/>
-            </a:endParaRPr>
-          </a:p>
-          <a:p>
-            <a:pPr lvl="1"/>
-            <a:endParaRPr lang="en-US" altLang="ko-KR" sz="1600">
-              <a:solidFill>
-                <a:srgbClr val="000000"/>
-              </a:solidFill>
-              <a:latin typeface="+mn-ea"/>
-            </a:endParaRPr>
-          </a:p>
-          <a:p>
-            <a:pPr lvl="1"/>
-            <a:endParaRPr lang="en-US" altLang="ko-KR" sz="1600">
-              <a:solidFill>
-                <a:srgbClr val="000000"/>
-              </a:solidFill>
-              <a:latin typeface="+mn-ea"/>
-            </a:endParaRPr>
-          </a:p>
-          <a:p>
-            <a:pPr lvl="1"/>
-            <a:endParaRPr lang="en-US" altLang="ko-KR" sz="1600">
+            <a:endParaRPr lang="en-US" altLang="ko-KR" sz="1600" dirty="0">
               <a:solidFill>
                 <a:srgbClr val="000000"/>
               </a:solidFill>
@@ -30855,250 +30332,101 @@
               <a:latin typeface="+mn-ea"/>
             </a:endParaRPr>
           </a:p>
+          <a:p>
+            <a:pPr lvl="1"/>
+            <a:endParaRPr lang="en-US" altLang="ko-KR" sz="1600" dirty="0">
+              <a:solidFill>
+                <a:srgbClr val="000000"/>
+              </a:solidFill>
+              <a:latin typeface="+mn-ea"/>
+            </a:endParaRPr>
+          </a:p>
+          <a:p>
+            <a:pPr lvl="1"/>
+            <a:endParaRPr lang="en-US" altLang="ko-KR" sz="1600" dirty="0">
+              <a:solidFill>
+                <a:srgbClr val="000000"/>
+              </a:solidFill>
+              <a:latin typeface="+mn-ea"/>
+            </a:endParaRPr>
+          </a:p>
+          <a:p>
+            <a:pPr lvl="1"/>
+            <a:endParaRPr lang="en-US" altLang="ko-KR" sz="1600" dirty="0">
+              <a:solidFill>
+                <a:srgbClr val="000000"/>
+              </a:solidFill>
+              <a:latin typeface="+mn-ea"/>
+            </a:endParaRPr>
+          </a:p>
+          <a:p>
+            <a:pPr lvl="1"/>
+            <a:endParaRPr lang="en-US" altLang="ko-KR" sz="1600" dirty="0">
+              <a:solidFill>
+                <a:srgbClr val="000000"/>
+              </a:solidFill>
+              <a:latin typeface="+mn-ea"/>
+            </a:endParaRPr>
+          </a:p>
+          <a:p>
+            <a:pPr lvl="1"/>
+            <a:endParaRPr lang="en-US" altLang="ko-KR" sz="1600" dirty="0">
+              <a:solidFill>
+                <a:srgbClr val="000000"/>
+              </a:solidFill>
+              <a:latin typeface="+mn-ea"/>
+            </a:endParaRPr>
+          </a:p>
+          <a:p>
+            <a:pPr lvl="1"/>
+            <a:endParaRPr lang="en-US" altLang="ko-KR" sz="1600" dirty="0">
+              <a:solidFill>
+                <a:srgbClr val="000000"/>
+              </a:solidFill>
+              <a:latin typeface="+mn-ea"/>
+            </a:endParaRPr>
+          </a:p>
+          <a:p>
+            <a:pPr lvl="1"/>
+            <a:endParaRPr lang="en-US" altLang="ko-KR" sz="1600" dirty="0">
+              <a:solidFill>
+                <a:srgbClr val="000000"/>
+              </a:solidFill>
+              <a:latin typeface="+mn-ea"/>
+            </a:endParaRPr>
+          </a:p>
         </p:txBody>
       </p:sp>
-      <p:graphicFrame>
-        <p:nvGraphicFramePr>
-          <p:cNvPr id="4" name="Table 4">
+      <p:pic>
+        <p:nvPicPr>
+          <p:cNvPr id="6" name="그림 5">
             <a:extLst>
               <a:ext uri="{FF2B5EF4-FFF2-40B4-BE49-F238E27FC236}">
-                <a16:creationId xmlns:a16="http://schemas.microsoft.com/office/drawing/2014/main" id="{A4A6806A-E6A9-BB95-E62F-F1C2EDFB85F2}"/>
+                <a16:creationId xmlns:a16="http://schemas.microsoft.com/office/drawing/2014/main" id="{24D6B324-89F7-033F-967E-6F255F668577}"/>
               </a:ext>
             </a:extLst>
           </p:cNvPr>
-          <p:cNvGraphicFramePr>
-            <a:graphicFrameLocks noGrp="1"/>
-          </p:cNvGraphicFramePr>
+          <p:cNvPicPr>
+            <a:picLocks noChangeAspect="1"/>
+          </p:cNvPicPr>
           <p:nvPr/>
-        </p:nvGraphicFramePr>
-        <p:xfrm>
-          <a:off x="1492459" y="3098029"/>
-          <a:ext cx="3329354" cy="2042160"/>
-        </p:xfrm>
-        <a:graphic>
-          <a:graphicData uri="http://schemas.openxmlformats.org/drawingml/2006/table">
-            <a:tbl>
-              <a:tblPr firstRow="1" bandRow="1">
-                <a:tableStyleId>{5C22544A-7EE6-4342-B048-85BDC9FD1C3A}</a:tableStyleId>
-              </a:tblPr>
-              <a:tblGrid>
-                <a:gridCol w="3329354">
-                  <a:extLst>
-                    <a:ext uri="{9D8B030D-6E8A-4147-A177-3AD203B41FA5}">
-                      <a16:colId xmlns:a16="http://schemas.microsoft.com/office/drawing/2014/main" val="861803730"/>
-                    </a:ext>
-                  </a:extLst>
-                </a:gridCol>
-              </a:tblGrid>
-              <a:tr h="369332">
-                <a:tc>
-                  <a:txBody>
-                    <a:bodyPr/>
-                    <a:lstStyle/>
-                    <a:p>
-                      <a:pPr latinLnBrk="1"/>
-                      <a:r>
-                        <a:rPr lang="en-US" altLang="ko-KR" sz="1600" b="0" dirty="0">
-                          <a:solidFill>
-                            <a:sysClr val="windowText" lastClr="000000"/>
-                          </a:solidFill>
-                        </a:rPr>
-                        <a:t>&lt;script&gt;</a:t>
-                      </a:r>
-                    </a:p>
-                    <a:p>
-                      <a:pPr latinLnBrk="1"/>
-                      <a:r>
-                        <a:rPr lang="en-US" altLang="ko-KR" sz="1600" b="0" dirty="0">
-                          <a:solidFill>
-                            <a:sysClr val="windowText" lastClr="000000"/>
-                          </a:solidFill>
-                        </a:rPr>
-                        <a:t>  </a:t>
-                      </a:r>
-                      <a:r>
-                        <a:rPr lang="en-US" altLang="ko-KR" sz="1600" b="0" dirty="0" err="1">
-                          <a:solidFill>
-                            <a:sysClr val="windowText" lastClr="000000"/>
-                          </a:solidFill>
-                        </a:rPr>
-                        <a:t>const</a:t>
-                      </a:r>
-                      <a:r>
-                        <a:rPr lang="en-US" altLang="ko-KR" sz="1600" b="0" dirty="0">
-                          <a:solidFill>
-                            <a:sysClr val="windowText" lastClr="000000"/>
-                          </a:solidFill>
-                        </a:rPr>
-                        <a:t> pet = {</a:t>
-                      </a:r>
-                    </a:p>
-                    <a:p>
-                      <a:pPr latinLnBrk="1"/>
-                      <a:r>
-                        <a:rPr lang="en-US" altLang="ko-KR" sz="1600" b="0" dirty="0">
-                          <a:solidFill>
-                            <a:sysClr val="windowText" lastClr="000000"/>
-                          </a:solidFill>
-                        </a:rPr>
-                        <a:t>    name: '</a:t>
-                      </a:r>
-                      <a:r>
-                        <a:rPr lang="ko-KR" altLang="en-US" sz="1600" b="0" dirty="0">
-                          <a:solidFill>
-                            <a:sysClr val="windowText" lastClr="000000"/>
-                          </a:solidFill>
-                        </a:rPr>
-                        <a:t>구름</a:t>
-                      </a:r>
-                      <a:r>
-                        <a:rPr lang="en-US" altLang="ko-KR" sz="1600" b="0" dirty="0">
-                          <a:solidFill>
-                            <a:sysClr val="windowText" lastClr="000000"/>
-                          </a:solidFill>
-                        </a:rPr>
-                        <a:t>',</a:t>
-                      </a:r>
-                    </a:p>
-                    <a:p>
-                      <a:pPr latinLnBrk="1"/>
-                      <a:r>
-                        <a:rPr lang="en-US" altLang="ko-KR" sz="1600" b="0" dirty="0">
-                          <a:solidFill>
-                            <a:sysClr val="windowText" lastClr="000000"/>
-                          </a:solidFill>
-                        </a:rPr>
-                        <a:t>    eat: function (food) { }</a:t>
-                      </a:r>
-                    </a:p>
-                    <a:p>
-                      <a:pPr latinLnBrk="1"/>
-                      <a:r>
-                        <a:rPr lang="en-US" altLang="ko-KR" sz="1600" b="0" dirty="0">
-                          <a:solidFill>
-                            <a:sysClr val="windowText" lastClr="000000"/>
-                          </a:solidFill>
-                        </a:rPr>
-                        <a:t>  }</a:t>
-                      </a:r>
-                    </a:p>
-                    <a:p>
-                      <a:pPr latinLnBrk="1"/>
-                      <a:r>
-                        <a:rPr lang="en-US" altLang="ko-KR" sz="1600" b="0" dirty="0">
-                          <a:solidFill>
-                            <a:srgbClr val="FF0000"/>
-                          </a:solidFill>
-                        </a:rPr>
-                        <a:t>  // </a:t>
-                      </a:r>
-                      <a:r>
-                        <a:rPr lang="ko-KR" altLang="en-US" sz="1600" b="0" dirty="0">
-                          <a:solidFill>
-                            <a:srgbClr val="FF0000"/>
-                          </a:solidFill>
-                        </a:rPr>
-                        <a:t>메소드를 호출합니다</a:t>
-                      </a:r>
-                      <a:r>
-                        <a:rPr lang="en-US" altLang="ko-KR" sz="1600" b="0" dirty="0">
-                          <a:solidFill>
-                            <a:srgbClr val="FF0000"/>
-                          </a:solidFill>
-                        </a:rPr>
-                        <a:t>.</a:t>
-                      </a:r>
-                    </a:p>
-                    <a:p>
-                      <a:pPr latinLnBrk="1"/>
-                      <a:r>
-                        <a:rPr lang="en-US" altLang="ko-KR" sz="1600" b="0" dirty="0">
-                          <a:solidFill>
-                            <a:sysClr val="windowText" lastClr="000000"/>
-                          </a:solidFill>
-                        </a:rPr>
-                        <a:t>  </a:t>
-                      </a:r>
-                      <a:r>
-                        <a:rPr lang="en-US" altLang="ko-KR" sz="1600" b="0" dirty="0" err="1">
-                          <a:solidFill>
-                            <a:sysClr val="windowText" lastClr="000000"/>
-                          </a:solidFill>
-                        </a:rPr>
-                        <a:t>person.eat</a:t>
-                      </a:r>
-                      <a:r>
-                        <a:rPr lang="en-US" altLang="ko-KR" sz="1600" b="0" dirty="0">
-                          <a:solidFill>
-                            <a:sysClr val="windowText" lastClr="000000"/>
-                          </a:solidFill>
-                        </a:rPr>
-                        <a:t>()</a:t>
-                      </a:r>
-                    </a:p>
-                    <a:p>
-                      <a:pPr latinLnBrk="1"/>
-                      <a:r>
-                        <a:rPr lang="en-US" altLang="ko-KR" sz="1600" b="0" dirty="0">
-                          <a:solidFill>
-                            <a:sysClr val="windowText" lastClr="000000"/>
-                          </a:solidFill>
-                        </a:rPr>
-                        <a:t>&lt;/script&gt;</a:t>
-                      </a:r>
-                      <a:endParaRPr lang="ko-KR" altLang="en-US" sz="1600" b="0" dirty="0">
-                        <a:solidFill>
-                          <a:srgbClr val="FF0000"/>
-                        </a:solidFill>
-                      </a:endParaRPr>
-                    </a:p>
-                  </a:txBody>
-                  <a:tcPr>
-                    <a:lnL w="12700" cmpd="sng">
-                      <a:noFill/>
-                    </a:lnL>
-                    <a:lnR w="12700" cmpd="sng">
-                      <a:noFill/>
-                    </a:lnR>
-                    <a:lnT w="12700" cap="flat" cmpd="sng" algn="ctr">
-                      <a:solidFill>
-                        <a:schemeClr val="tx1"/>
-                      </a:solidFill>
-                      <a:prstDash val="solid"/>
-                      <a:round/>
-                      <a:headEnd type="none" w="med" len="med"/>
-                      <a:tailEnd type="none" w="med" len="med"/>
-                    </a:lnT>
-                    <a:lnB w="12700" cap="flat" cmpd="sng" algn="ctr">
-                      <a:solidFill>
-                        <a:schemeClr val="tx1"/>
-                      </a:solidFill>
-                      <a:prstDash val="solid"/>
-                      <a:round/>
-                      <a:headEnd type="none" w="med" len="med"/>
-                      <a:tailEnd type="none" w="med" len="med"/>
-                    </a:lnB>
-                    <a:lnTlToBr w="12700" cmpd="sng">
-                      <a:noFill/>
-                      <a:prstDash val="solid"/>
-                    </a:lnTlToBr>
-                    <a:lnBlToTr w="12700" cmpd="sng">
-                      <a:noFill/>
-                      <a:prstDash val="solid"/>
-                    </a:lnBlToTr>
-                    <a:noFill/>
-                  </a:tcPr>
-                </a:tc>
-                <a:extLst>
-                  <a:ext uri="{0D108BD9-81ED-4DB2-BD59-A6C34878D82A}">
-                    <a16:rowId xmlns:a16="http://schemas.microsoft.com/office/drawing/2014/main" val="2868720426"/>
-                  </a:ext>
-                </a:extLst>
-              </a:tr>
-            </a:tbl>
-          </a:graphicData>
-        </a:graphic>
-      </p:graphicFrame>
+        </p:nvPicPr>
+        <p:blipFill>
+          <a:blip r:embed="rId2"/>
+          <a:stretch>
+            <a:fillRect/>
+          </a:stretch>
+        </p:blipFill>
+        <p:spPr>
+          <a:xfrm>
+            <a:off x="550820" y="2912302"/>
+            <a:ext cx="9010714" cy="3572258"/>
+          </a:xfrm>
+          <a:prstGeom prst="rect">
+            <a:avLst/>
+          </a:prstGeom>
+        </p:spPr>
+      </p:pic>
     </p:spTree>
     <p:extLst>
       <p:ext uri="{BB962C8B-B14F-4D97-AF65-F5344CB8AC3E}">
@@ -31163,446 +30491,24 @@
                 <a:ea typeface="KoPubWorld돋움체 Bold" panose="00000800000000000000" pitchFamily="2" charset="-127"/>
                 <a:cs typeface="KoPubWorld돋움체 Bold" panose="00000800000000000000" pitchFamily="2" charset="-127"/>
               </a:rPr>
-              <a:t>속성과 메소드</a:t>
-            </a:r>
-          </a:p>
-        </p:txBody>
-      </p:sp>
-      <p:sp>
-        <p:nvSpPr>
-          <p:cNvPr id="2" name="텍스트 개체 틀 8">
-            <a:extLst>
-              <a:ext uri="{FF2B5EF4-FFF2-40B4-BE49-F238E27FC236}">
-                <a16:creationId xmlns:a16="http://schemas.microsoft.com/office/drawing/2014/main" id="{0CB63DA8-209E-8D4B-2F48-E32C13134EE6}"/>
-              </a:ext>
-            </a:extLst>
-          </p:cNvPr>
-          <p:cNvSpPr txBox="1">
-            <a:spLocks/>
-          </p:cNvSpPr>
-          <p:nvPr/>
-        </p:nvSpPr>
-        <p:spPr>
-          <a:xfrm>
-            <a:off x="455474" y="1228666"/>
-            <a:ext cx="11281052" cy="4999638"/>
-          </a:xfrm>
-          <a:prstGeom prst="rect">
-            <a:avLst/>
-          </a:prstGeom>
-        </p:spPr>
-        <p:txBody>
-          <a:bodyPr>
-            <a:normAutofit/>
-          </a:bodyPr>
-          <a:lstStyle>
-            <a:lvl1pPr marL="228600" indent="-228600" algn="l" defTabSz="914400" rtl="0" eaLnBrk="1" latinLnBrk="1" hangingPunct="1">
-              <a:lnSpc>
-                <a:spcPct val="90000"/>
-              </a:lnSpc>
-              <a:spcBef>
-                <a:spcPts val="1000"/>
-              </a:spcBef>
-              <a:buFont typeface="Arial" panose="020B0604020202020204" pitchFamily="34" charset="0"/>
-              <a:buChar char="•"/>
-              <a:defRPr sz="2800" kern="1200">
-                <a:solidFill>
-                  <a:schemeClr val="tx1"/>
-                </a:solidFill>
-                <a:latin typeface="+mn-lt"/>
-                <a:ea typeface="+mn-ea"/>
-                <a:cs typeface="+mn-cs"/>
-              </a:defRPr>
-            </a:lvl1pPr>
-            <a:lvl2pPr marL="685800" indent="-228600" algn="l" defTabSz="914400" rtl="0" eaLnBrk="1" latinLnBrk="1" hangingPunct="1">
-              <a:lnSpc>
-                <a:spcPct val="90000"/>
-              </a:lnSpc>
-              <a:spcBef>
-                <a:spcPts val="500"/>
-              </a:spcBef>
-              <a:buFont typeface="Arial" panose="020B0604020202020204" pitchFamily="34" charset="0"/>
-              <a:buChar char="•"/>
-              <a:defRPr sz="2400" kern="1200">
-                <a:solidFill>
-                  <a:schemeClr val="tx1"/>
-                </a:solidFill>
-                <a:latin typeface="+mn-lt"/>
-                <a:ea typeface="+mn-ea"/>
-                <a:cs typeface="+mn-cs"/>
-              </a:defRPr>
-            </a:lvl2pPr>
-            <a:lvl3pPr marL="1143000" indent="-228600" algn="l" defTabSz="914400" rtl="0" eaLnBrk="1" latinLnBrk="1" hangingPunct="1">
-              <a:lnSpc>
-                <a:spcPct val="90000"/>
-              </a:lnSpc>
-              <a:spcBef>
-                <a:spcPts val="500"/>
-              </a:spcBef>
-              <a:buFont typeface="Arial" panose="020B0604020202020204" pitchFamily="34" charset="0"/>
-              <a:buChar char="•"/>
-              <a:defRPr sz="2000" kern="1200">
-                <a:solidFill>
-                  <a:schemeClr val="tx1"/>
-                </a:solidFill>
-                <a:latin typeface="+mn-lt"/>
-                <a:ea typeface="+mn-ea"/>
-                <a:cs typeface="+mn-cs"/>
-              </a:defRPr>
-            </a:lvl3pPr>
-            <a:lvl4pPr marL="1600200" indent="-228600" algn="l" defTabSz="914400" rtl="0" eaLnBrk="1" latinLnBrk="1" hangingPunct="1">
-              <a:lnSpc>
-                <a:spcPct val="90000"/>
-              </a:lnSpc>
-              <a:spcBef>
-                <a:spcPts val="500"/>
-              </a:spcBef>
-              <a:buFont typeface="Arial" panose="020B0604020202020204" pitchFamily="34" charset="0"/>
-              <a:buChar char="•"/>
-              <a:defRPr sz="1800" kern="1200">
-                <a:solidFill>
-                  <a:schemeClr val="tx1"/>
-                </a:solidFill>
-                <a:latin typeface="+mn-lt"/>
-                <a:ea typeface="+mn-ea"/>
-                <a:cs typeface="+mn-cs"/>
-              </a:defRPr>
-            </a:lvl4pPr>
-            <a:lvl5pPr marL="2057400" indent="-228600" algn="l" defTabSz="914400" rtl="0" eaLnBrk="1" latinLnBrk="1" hangingPunct="1">
-              <a:lnSpc>
-                <a:spcPct val="90000"/>
-              </a:lnSpc>
-              <a:spcBef>
-                <a:spcPts val="500"/>
-              </a:spcBef>
-              <a:buFont typeface="Arial" panose="020B0604020202020204" pitchFamily="34" charset="0"/>
-              <a:buChar char="•"/>
-              <a:defRPr sz="1800" kern="1200">
-                <a:solidFill>
-                  <a:schemeClr val="tx1"/>
-                </a:solidFill>
-                <a:latin typeface="+mn-lt"/>
-                <a:ea typeface="+mn-ea"/>
-                <a:cs typeface="+mn-cs"/>
-              </a:defRPr>
-            </a:lvl5pPr>
-            <a:lvl6pPr marL="2514600" indent="-228600" algn="l" defTabSz="914400" rtl="0" eaLnBrk="1" latinLnBrk="1" hangingPunct="1">
-              <a:lnSpc>
-                <a:spcPct val="90000"/>
-              </a:lnSpc>
-              <a:spcBef>
-                <a:spcPts val="500"/>
-              </a:spcBef>
-              <a:buFont typeface="Arial" panose="020B0604020202020204" pitchFamily="34" charset="0"/>
-              <a:buChar char="•"/>
-              <a:defRPr sz="1800" kern="1200">
-                <a:solidFill>
-                  <a:schemeClr val="tx1"/>
-                </a:solidFill>
-                <a:latin typeface="+mn-lt"/>
-                <a:ea typeface="+mn-ea"/>
-                <a:cs typeface="+mn-cs"/>
-              </a:defRPr>
-            </a:lvl6pPr>
-            <a:lvl7pPr marL="2971800" indent="-228600" algn="l" defTabSz="914400" rtl="0" eaLnBrk="1" latinLnBrk="1" hangingPunct="1">
-              <a:lnSpc>
-                <a:spcPct val="90000"/>
-              </a:lnSpc>
-              <a:spcBef>
-                <a:spcPts val="500"/>
-              </a:spcBef>
-              <a:buFont typeface="Arial" panose="020B0604020202020204" pitchFamily="34" charset="0"/>
-              <a:buChar char="•"/>
-              <a:defRPr sz="1800" kern="1200">
-                <a:solidFill>
-                  <a:schemeClr val="tx1"/>
-                </a:solidFill>
-                <a:latin typeface="+mn-lt"/>
-                <a:ea typeface="+mn-ea"/>
-                <a:cs typeface="+mn-cs"/>
-              </a:defRPr>
-            </a:lvl7pPr>
-            <a:lvl8pPr marL="3429000" indent="-228600" algn="l" defTabSz="914400" rtl="0" eaLnBrk="1" latinLnBrk="1" hangingPunct="1">
-              <a:lnSpc>
-                <a:spcPct val="90000"/>
-              </a:lnSpc>
-              <a:spcBef>
-                <a:spcPts val="500"/>
-              </a:spcBef>
-              <a:buFont typeface="Arial" panose="020B0604020202020204" pitchFamily="34" charset="0"/>
-              <a:buChar char="•"/>
-              <a:defRPr sz="1800" kern="1200">
-                <a:solidFill>
-                  <a:schemeClr val="tx1"/>
-                </a:solidFill>
-                <a:latin typeface="+mn-lt"/>
-                <a:ea typeface="+mn-ea"/>
-                <a:cs typeface="+mn-cs"/>
-              </a:defRPr>
-            </a:lvl8pPr>
-            <a:lvl9pPr marL="3886200" indent="-228600" algn="l" defTabSz="914400" rtl="0" eaLnBrk="1" latinLnBrk="1" hangingPunct="1">
-              <a:lnSpc>
-                <a:spcPct val="90000"/>
-              </a:lnSpc>
-              <a:spcBef>
-                <a:spcPts val="500"/>
-              </a:spcBef>
-              <a:buFont typeface="Arial" panose="020B0604020202020204" pitchFamily="34" charset="0"/>
-              <a:buChar char="•"/>
-              <a:defRPr sz="1800" kern="1200">
-                <a:solidFill>
-                  <a:schemeClr val="tx1"/>
-                </a:solidFill>
-                <a:latin typeface="+mn-lt"/>
-                <a:ea typeface="+mn-ea"/>
-                <a:cs typeface="+mn-cs"/>
-              </a:defRPr>
-            </a:lvl9pPr>
-          </a:lstStyle>
-          <a:p>
-            <a:r>
-              <a:rPr lang="ko-KR" altLang="en-US">
-                <a:solidFill>
-                  <a:srgbClr val="000000"/>
-                </a:solidFill>
-                <a:latin typeface="+mn-ea"/>
-              </a:rPr>
-              <a:t>속성과 메소드</a:t>
-            </a:r>
-            <a:endParaRPr lang="en-US" altLang="ko-KR">
-              <a:solidFill>
-                <a:srgbClr val="000000"/>
-              </a:solidFill>
-              <a:latin typeface="+mn-ea"/>
-            </a:endParaRPr>
-          </a:p>
-          <a:p>
-            <a:pPr lvl="1"/>
-            <a:r>
-              <a:rPr lang="ko-KR" altLang="en-US" sz="1600">
-                <a:solidFill>
-                  <a:srgbClr val="000000"/>
-                </a:solidFill>
-                <a:latin typeface="+mn-ea"/>
-              </a:rPr>
               <a:t>메소드 내부에서 </a:t>
             </a:r>
             <a:r>
-              <a:rPr lang="en-US" altLang="ko-KR" sz="1600">
-                <a:solidFill>
-                  <a:srgbClr val="000000"/>
-                </a:solidFill>
-                <a:latin typeface="+mn-ea"/>
+              <a:rPr lang="en-US" altLang="ko-KR" sz="4000" dirty="0">
+                <a:latin typeface="KoPubWorld돋움체 Bold" panose="00000800000000000000" pitchFamily="2" charset="-127"/>
+                <a:ea typeface="KoPubWorld돋움체 Bold" panose="00000800000000000000" pitchFamily="2" charset="-127"/>
+                <a:cs typeface="KoPubWorld돋움체 Bold" panose="00000800000000000000" pitchFamily="2" charset="-127"/>
               </a:rPr>
               <a:t>this </a:t>
             </a:r>
             <a:r>
-              <a:rPr lang="ko-KR" altLang="en-US" sz="1600">
-                <a:solidFill>
-                  <a:srgbClr val="000000"/>
-                </a:solidFill>
-                <a:latin typeface="+mn-ea"/>
+              <a:rPr lang="ko-KR" altLang="en-US" sz="4000" dirty="0">
+                <a:latin typeface="KoPubWorld돋움체 Bold" panose="00000800000000000000" pitchFamily="2" charset="-127"/>
+                <a:ea typeface="KoPubWorld돋움체 Bold" panose="00000800000000000000" pitchFamily="2" charset="-127"/>
+                <a:cs typeface="KoPubWorld돋움체 Bold" panose="00000800000000000000" pitchFamily="2" charset="-127"/>
               </a:rPr>
               <a:t>키워드 사용하기</a:t>
             </a:r>
-            <a:endParaRPr lang="en-US" altLang="ko-KR" sz="1600">
-              <a:solidFill>
-                <a:srgbClr val="000000"/>
-              </a:solidFill>
-              <a:latin typeface="+mn-ea"/>
-            </a:endParaRPr>
-          </a:p>
-          <a:p>
-            <a:pPr lvl="2"/>
-            <a:r>
-              <a:rPr lang="ko-KR" altLang="en-US" sz="1400">
-                <a:solidFill>
-                  <a:srgbClr val="000000"/>
-                </a:solidFill>
-                <a:latin typeface="+mn-ea"/>
-              </a:rPr>
-              <a:t>자기 자신의 자신이 가진 속성이라는 것을 표시할 때 </a:t>
-            </a:r>
-            <a:r>
-              <a:rPr lang="en-US" altLang="ko-KR" sz="1400">
-                <a:solidFill>
-                  <a:srgbClr val="000000"/>
-                </a:solidFill>
-                <a:latin typeface="+mn-ea"/>
-              </a:rPr>
-              <a:t>this </a:t>
-            </a:r>
-            <a:r>
-              <a:rPr lang="ko-KR" altLang="en-US" sz="1400">
-                <a:solidFill>
-                  <a:srgbClr val="000000"/>
-                </a:solidFill>
-                <a:latin typeface="+mn-ea"/>
-              </a:rPr>
-              <a:t>키워드를 사용</a:t>
-            </a:r>
-            <a:endParaRPr lang="en-US" altLang="ko-KR" sz="1400">
-              <a:solidFill>
-                <a:srgbClr val="000000"/>
-              </a:solidFill>
-              <a:latin typeface="+mn-ea"/>
-            </a:endParaRPr>
-          </a:p>
-          <a:p>
-            <a:pPr lvl="1"/>
-            <a:r>
-              <a:rPr lang="ko-KR" altLang="en-US" sz="1600">
-                <a:solidFill>
-                  <a:srgbClr val="000000"/>
-                </a:solidFill>
-                <a:latin typeface="+mn-ea"/>
-              </a:rPr>
-              <a:t>메소드 내부에서의 </a:t>
-            </a:r>
-            <a:r>
-              <a:rPr lang="en-US" altLang="ko-KR" sz="1600">
-                <a:solidFill>
-                  <a:srgbClr val="000000"/>
-                </a:solidFill>
-                <a:latin typeface="+mn-ea"/>
-              </a:rPr>
-              <a:t>this </a:t>
-            </a:r>
-            <a:r>
-              <a:rPr lang="ko-KR" altLang="en-US" sz="1600">
-                <a:solidFill>
-                  <a:srgbClr val="000000"/>
-                </a:solidFill>
-                <a:latin typeface="+mn-ea"/>
-              </a:rPr>
-              <a:t>키워드 </a:t>
-            </a:r>
-            <a:r>
-              <a:rPr lang="en-US" altLang="ko-KR" sz="1600">
-                <a:solidFill>
-                  <a:srgbClr val="000000"/>
-                </a:solidFill>
-                <a:latin typeface="+mn-ea"/>
-              </a:rPr>
-              <a:t>(</a:t>
-            </a:r>
-            <a:r>
-              <a:rPr lang="ko-KR" altLang="en-US" sz="1600">
-                <a:solidFill>
-                  <a:srgbClr val="000000"/>
-                </a:solidFill>
-                <a:latin typeface="+mn-ea"/>
-              </a:rPr>
-              <a:t>소스 코드 </a:t>
-            </a:r>
-            <a:r>
-              <a:rPr lang="en-US" altLang="ko-KR" sz="1600">
-                <a:solidFill>
-                  <a:srgbClr val="000000"/>
-                </a:solidFill>
-                <a:latin typeface="+mn-ea"/>
-              </a:rPr>
-              <a:t>6-1-1.html)</a:t>
-            </a:r>
-          </a:p>
-          <a:p>
-            <a:pPr lvl="1"/>
-            <a:endParaRPr lang="en-US" altLang="ko-KR" sz="1600">
-              <a:solidFill>
-                <a:srgbClr val="000000"/>
-              </a:solidFill>
-              <a:latin typeface="+mn-ea"/>
-            </a:endParaRPr>
-          </a:p>
-          <a:p>
-            <a:pPr lvl="1"/>
-            <a:endParaRPr lang="en-US" altLang="ko-KR" sz="1600">
-              <a:solidFill>
-                <a:srgbClr val="000000"/>
-              </a:solidFill>
-              <a:latin typeface="+mn-ea"/>
-            </a:endParaRPr>
-          </a:p>
-          <a:p>
-            <a:pPr lvl="1"/>
-            <a:endParaRPr lang="en-US" altLang="ko-KR" sz="1600">
-              <a:solidFill>
-                <a:srgbClr val="000000"/>
-              </a:solidFill>
-              <a:latin typeface="+mn-ea"/>
-            </a:endParaRPr>
-          </a:p>
-          <a:p>
-            <a:pPr lvl="1"/>
-            <a:endParaRPr lang="en-US" altLang="ko-KR" sz="1600">
-              <a:solidFill>
-                <a:srgbClr val="000000"/>
-              </a:solidFill>
-              <a:latin typeface="+mn-ea"/>
-            </a:endParaRPr>
-          </a:p>
-          <a:p>
-            <a:pPr lvl="1"/>
-            <a:endParaRPr lang="en-US" altLang="ko-KR" sz="1600">
-              <a:solidFill>
-                <a:srgbClr val="000000"/>
-              </a:solidFill>
-              <a:latin typeface="+mn-ea"/>
-            </a:endParaRPr>
-          </a:p>
-          <a:p>
-            <a:pPr lvl="1"/>
-            <a:endParaRPr lang="en-US" altLang="ko-KR" sz="1600">
-              <a:solidFill>
-                <a:srgbClr val="000000"/>
-              </a:solidFill>
-              <a:latin typeface="+mn-ea"/>
-            </a:endParaRPr>
-          </a:p>
-          <a:p>
-            <a:pPr lvl="1"/>
-            <a:endParaRPr lang="en-US" altLang="ko-KR" sz="1600">
-              <a:solidFill>
-                <a:srgbClr val="000000"/>
-              </a:solidFill>
-              <a:latin typeface="+mn-ea"/>
-            </a:endParaRPr>
-          </a:p>
-          <a:p>
-            <a:pPr lvl="1"/>
-            <a:endParaRPr lang="en-US" altLang="ko-KR" sz="1600">
-              <a:solidFill>
-                <a:srgbClr val="000000"/>
-              </a:solidFill>
-              <a:latin typeface="+mn-ea"/>
-            </a:endParaRPr>
-          </a:p>
-          <a:p>
-            <a:pPr lvl="1"/>
-            <a:endParaRPr lang="en-US" altLang="ko-KR" sz="1600">
-              <a:solidFill>
-                <a:srgbClr val="000000"/>
-              </a:solidFill>
-              <a:latin typeface="+mn-ea"/>
-            </a:endParaRPr>
-          </a:p>
-          <a:p>
-            <a:pPr lvl="1"/>
-            <a:endParaRPr lang="en-US" altLang="ko-KR" sz="1600">
-              <a:solidFill>
-                <a:srgbClr val="000000"/>
-              </a:solidFill>
-              <a:latin typeface="+mn-ea"/>
-            </a:endParaRPr>
-          </a:p>
-          <a:p>
-            <a:pPr lvl="1"/>
-            <a:endParaRPr lang="en-US" altLang="ko-KR" sz="1600" dirty="0">
-              <a:solidFill>
-                <a:srgbClr val="000000"/>
-              </a:solidFill>
-              <a:latin typeface="+mn-ea"/>
-            </a:endParaRPr>
           </a:p>
         </p:txBody>
       </p:sp>
@@ -31618,10 +30524,16 @@
           <p:cNvGraphicFramePr>
             <a:graphicFrameLocks noGrp="1"/>
           </p:cNvGraphicFramePr>
-          <p:nvPr/>
+          <p:nvPr>
+            <p:extLst>
+              <p:ext uri="{D42A27DB-BD31-4B8C-83A1-F6EECF244321}">
+                <p14:modId xmlns:p14="http://schemas.microsoft.com/office/powerpoint/2010/main" val="1815381129"/>
+              </p:ext>
+            </p:extLst>
+          </p:nvPr>
         </p:nvGraphicFramePr>
         <p:xfrm>
-          <a:off x="1492459" y="2707405"/>
+          <a:off x="583502" y="2442119"/>
           <a:ext cx="5076092" cy="3261360"/>
         </p:xfrm>
         <a:graphic>
@@ -32018,8 +30930,8 @@
         </p:nvSpPr>
         <p:spPr>
           <a:xfrm>
-            <a:off x="4341167" y="4263730"/>
-            <a:ext cx="2851457" cy="523220"/>
+            <a:off x="3432210" y="3998444"/>
+            <a:ext cx="3360476" cy="523220"/>
           </a:xfrm>
           <a:prstGeom prst="rect">
             <a:avLst/>
@@ -32080,7 +30992,7 @@
         </p:nvCxnSpPr>
         <p:spPr>
           <a:xfrm>
-            <a:off x="2525939" y="4216165"/>
+            <a:off x="1616982" y="3950879"/>
             <a:ext cx="867508" cy="0"/>
           </a:xfrm>
           <a:prstGeom prst="line">
@@ -32116,7 +31028,7 @@
         </p:nvSpPr>
         <p:spPr>
           <a:xfrm>
-            <a:off x="2711659" y="4223658"/>
+            <a:off x="1802702" y="3958372"/>
             <a:ext cx="1629508" cy="211015"/>
           </a:xfrm>
           <a:custGeom>
@@ -32214,7 +31126,7 @@
         </p:blipFill>
         <p:spPr>
           <a:xfrm>
-            <a:off x="7275785" y="4566060"/>
+            <a:off x="7547928" y="2639288"/>
             <a:ext cx="2765547" cy="925334"/>
           </a:xfrm>
           <a:prstGeom prst="rect">
@@ -32222,6 +31134,92 @@
           </a:prstGeom>
         </p:spPr>
       </p:pic>
+      <p:sp>
+        <p:nvSpPr>
+          <p:cNvPr id="10" name="TextBox 9">
+            <a:extLst>
+              <a:ext uri="{FF2B5EF4-FFF2-40B4-BE49-F238E27FC236}">
+                <a16:creationId xmlns:a16="http://schemas.microsoft.com/office/drawing/2014/main" id="{3CFE95CD-CB20-79AF-E6E3-FED9E4158914}"/>
+              </a:ext>
+            </a:extLst>
+          </p:cNvPr>
+          <p:cNvSpPr txBox="1"/>
+          <p:nvPr/>
+        </p:nvSpPr>
+        <p:spPr>
+          <a:xfrm>
+            <a:off x="353226" y="1671495"/>
+            <a:ext cx="6096000" cy="369332"/>
+          </a:xfrm>
+          <a:prstGeom prst="rect">
+            <a:avLst/>
+          </a:prstGeom>
+          <a:noFill/>
+        </p:spPr>
+        <p:txBody>
+          <a:bodyPr wrap="square">
+            <a:spAutoFit/>
+          </a:bodyPr>
+          <a:lstStyle/>
+          <a:p>
+            <a:r>
+              <a:rPr lang="ko-KR" altLang="en-US" dirty="0"/>
+              <a:t>메소드 내부에서의 </a:t>
+            </a:r>
+            <a:r>
+              <a:rPr lang="ko-KR" altLang="en-US" dirty="0" err="1"/>
+              <a:t>this</a:t>
+            </a:r>
+            <a:r>
+              <a:rPr lang="ko-KR" altLang="en-US" dirty="0"/>
+              <a:t> 키워드 </a:t>
+            </a:r>
+          </a:p>
+        </p:txBody>
+      </p:sp>
+      <p:sp>
+        <p:nvSpPr>
+          <p:cNvPr id="12" name="TextBox 11">
+            <a:extLst>
+              <a:ext uri="{FF2B5EF4-FFF2-40B4-BE49-F238E27FC236}">
+                <a16:creationId xmlns:a16="http://schemas.microsoft.com/office/drawing/2014/main" id="{BA6AD403-E841-CA67-DEC7-A2D63136D6D3}"/>
+              </a:ext>
+            </a:extLst>
+          </p:cNvPr>
+          <p:cNvSpPr txBox="1"/>
+          <p:nvPr/>
+        </p:nvSpPr>
+        <p:spPr>
+          <a:xfrm>
+            <a:off x="353226" y="1155156"/>
+            <a:ext cx="9171773" cy="369332"/>
+          </a:xfrm>
+          <a:prstGeom prst="rect">
+            <a:avLst/>
+          </a:prstGeom>
+          <a:noFill/>
+        </p:spPr>
+        <p:txBody>
+          <a:bodyPr wrap="square">
+            <a:spAutoFit/>
+          </a:bodyPr>
+          <a:lstStyle/>
+          <a:p>
+            <a:r>
+              <a:rPr lang="ko-KR" altLang="en-US" dirty="0"/>
+              <a:t>자기 자신의 자신이 가진 속성이라는 것을 표시할 때 </a:t>
+            </a:r>
+            <a:r>
+              <a:rPr lang="ko-KR" altLang="en-US" dirty="0" err="1"/>
+              <a:t>this</a:t>
+            </a:r>
+            <a:r>
+              <a:rPr lang="ko-KR" altLang="en-US" dirty="0"/>
+              <a:t> 키워드를 사용</a:t>
+            </a:r>
+          </a:p>
+        </p:txBody>
+      </p:sp>
     </p:spTree>
     <p:extLst>
       <p:ext uri="{BB962C8B-B14F-4D97-AF65-F5344CB8AC3E}">
@@ -32252,337 +31250,6 @@
           <a:chExt cx="0" cy="0"/>
         </a:xfrm>
       </p:grpSpPr>
-      <p:sp>
-        <p:nvSpPr>
-          <p:cNvPr id="2" name="텍스트 개체 틀 8">
-            <a:extLst>
-              <a:ext uri="{FF2B5EF4-FFF2-40B4-BE49-F238E27FC236}">
-                <a16:creationId xmlns:a16="http://schemas.microsoft.com/office/drawing/2014/main" id="{44A6F01B-35BD-182F-F3D3-1155F23B726B}"/>
-              </a:ext>
-            </a:extLst>
-          </p:cNvPr>
-          <p:cNvSpPr txBox="1">
-            <a:spLocks/>
-          </p:cNvSpPr>
-          <p:nvPr/>
-        </p:nvSpPr>
-        <p:spPr>
-          <a:xfrm>
-            <a:off x="514228" y="1431079"/>
-            <a:ext cx="11281052" cy="707886"/>
-          </a:xfrm>
-          <a:prstGeom prst="rect">
-            <a:avLst/>
-          </a:prstGeom>
-        </p:spPr>
-        <p:txBody>
-          <a:bodyPr>
-            <a:normAutofit/>
-          </a:bodyPr>
-          <a:lstStyle>
-            <a:lvl1pPr marL="228600" indent="-228600" algn="l" defTabSz="914400" rtl="0" eaLnBrk="1" latinLnBrk="1" hangingPunct="1">
-              <a:lnSpc>
-                <a:spcPct val="90000"/>
-              </a:lnSpc>
-              <a:spcBef>
-                <a:spcPts val="1000"/>
-              </a:spcBef>
-              <a:buFont typeface="Arial" panose="020B0604020202020204" pitchFamily="34" charset="0"/>
-              <a:buChar char="•"/>
-              <a:defRPr sz="2800" kern="1200">
-                <a:solidFill>
-                  <a:schemeClr val="tx1"/>
-                </a:solidFill>
-                <a:latin typeface="+mn-lt"/>
-                <a:ea typeface="+mn-ea"/>
-                <a:cs typeface="+mn-cs"/>
-              </a:defRPr>
-            </a:lvl1pPr>
-            <a:lvl2pPr marL="685800" indent="-228600" algn="l" defTabSz="914400" rtl="0" eaLnBrk="1" latinLnBrk="1" hangingPunct="1">
-              <a:lnSpc>
-                <a:spcPct val="90000"/>
-              </a:lnSpc>
-              <a:spcBef>
-                <a:spcPts val="500"/>
-              </a:spcBef>
-              <a:buFont typeface="Arial" panose="020B0604020202020204" pitchFamily="34" charset="0"/>
-              <a:buChar char="•"/>
-              <a:defRPr sz="2400" kern="1200">
-                <a:solidFill>
-                  <a:schemeClr val="tx1"/>
-                </a:solidFill>
-                <a:latin typeface="+mn-lt"/>
-                <a:ea typeface="+mn-ea"/>
-                <a:cs typeface="+mn-cs"/>
-              </a:defRPr>
-            </a:lvl2pPr>
-            <a:lvl3pPr marL="1143000" indent="-228600" algn="l" defTabSz="914400" rtl="0" eaLnBrk="1" latinLnBrk="1" hangingPunct="1">
-              <a:lnSpc>
-                <a:spcPct val="90000"/>
-              </a:lnSpc>
-              <a:spcBef>
-                <a:spcPts val="500"/>
-              </a:spcBef>
-              <a:buFont typeface="Arial" panose="020B0604020202020204" pitchFamily="34" charset="0"/>
-              <a:buChar char="•"/>
-              <a:defRPr sz="2000" kern="1200">
-                <a:solidFill>
-                  <a:schemeClr val="tx1"/>
-                </a:solidFill>
-                <a:latin typeface="+mn-lt"/>
-                <a:ea typeface="+mn-ea"/>
-                <a:cs typeface="+mn-cs"/>
-              </a:defRPr>
-            </a:lvl3pPr>
-            <a:lvl4pPr marL="1600200" indent="-228600" algn="l" defTabSz="914400" rtl="0" eaLnBrk="1" latinLnBrk="1" hangingPunct="1">
-              <a:lnSpc>
-                <a:spcPct val="90000"/>
-              </a:lnSpc>
-              <a:spcBef>
-                <a:spcPts val="500"/>
-              </a:spcBef>
-              <a:buFont typeface="Arial" panose="020B0604020202020204" pitchFamily="34" charset="0"/>
-              <a:buChar char="•"/>
-              <a:defRPr sz="1800" kern="1200">
-                <a:solidFill>
-                  <a:schemeClr val="tx1"/>
-                </a:solidFill>
-                <a:latin typeface="+mn-lt"/>
-                <a:ea typeface="+mn-ea"/>
-                <a:cs typeface="+mn-cs"/>
-              </a:defRPr>
-            </a:lvl4pPr>
-            <a:lvl5pPr marL="2057400" indent="-228600" algn="l" defTabSz="914400" rtl="0" eaLnBrk="1" latinLnBrk="1" hangingPunct="1">
-              <a:lnSpc>
-                <a:spcPct val="90000"/>
-              </a:lnSpc>
-              <a:spcBef>
-                <a:spcPts val="500"/>
-              </a:spcBef>
-              <a:buFont typeface="Arial" panose="020B0604020202020204" pitchFamily="34" charset="0"/>
-              <a:buChar char="•"/>
-              <a:defRPr sz="1800" kern="1200">
-                <a:solidFill>
-                  <a:schemeClr val="tx1"/>
-                </a:solidFill>
-                <a:latin typeface="+mn-lt"/>
-                <a:ea typeface="+mn-ea"/>
-                <a:cs typeface="+mn-cs"/>
-              </a:defRPr>
-            </a:lvl5pPr>
-            <a:lvl6pPr marL="2514600" indent="-228600" algn="l" defTabSz="914400" rtl="0" eaLnBrk="1" latinLnBrk="1" hangingPunct="1">
-              <a:lnSpc>
-                <a:spcPct val="90000"/>
-              </a:lnSpc>
-              <a:spcBef>
-                <a:spcPts val="500"/>
-              </a:spcBef>
-              <a:buFont typeface="Arial" panose="020B0604020202020204" pitchFamily="34" charset="0"/>
-              <a:buChar char="•"/>
-              <a:defRPr sz="1800" kern="1200">
-                <a:solidFill>
-                  <a:schemeClr val="tx1"/>
-                </a:solidFill>
-                <a:latin typeface="+mn-lt"/>
-                <a:ea typeface="+mn-ea"/>
-                <a:cs typeface="+mn-cs"/>
-              </a:defRPr>
-            </a:lvl6pPr>
-            <a:lvl7pPr marL="2971800" indent="-228600" algn="l" defTabSz="914400" rtl="0" eaLnBrk="1" latinLnBrk="1" hangingPunct="1">
-              <a:lnSpc>
-                <a:spcPct val="90000"/>
-              </a:lnSpc>
-              <a:spcBef>
-                <a:spcPts val="500"/>
-              </a:spcBef>
-              <a:buFont typeface="Arial" panose="020B0604020202020204" pitchFamily="34" charset="0"/>
-              <a:buChar char="•"/>
-              <a:defRPr sz="1800" kern="1200">
-                <a:solidFill>
-                  <a:schemeClr val="tx1"/>
-                </a:solidFill>
-                <a:latin typeface="+mn-lt"/>
-                <a:ea typeface="+mn-ea"/>
-                <a:cs typeface="+mn-cs"/>
-              </a:defRPr>
-            </a:lvl7pPr>
-            <a:lvl8pPr marL="3429000" indent="-228600" algn="l" defTabSz="914400" rtl="0" eaLnBrk="1" latinLnBrk="1" hangingPunct="1">
-              <a:lnSpc>
-                <a:spcPct val="90000"/>
-              </a:lnSpc>
-              <a:spcBef>
-                <a:spcPts val="500"/>
-              </a:spcBef>
-              <a:buFont typeface="Arial" panose="020B0604020202020204" pitchFamily="34" charset="0"/>
-              <a:buChar char="•"/>
-              <a:defRPr sz="1800" kern="1200">
-                <a:solidFill>
-                  <a:schemeClr val="tx1"/>
-                </a:solidFill>
-                <a:latin typeface="+mn-lt"/>
-                <a:ea typeface="+mn-ea"/>
-                <a:cs typeface="+mn-cs"/>
-              </a:defRPr>
-            </a:lvl8pPr>
-            <a:lvl9pPr marL="3886200" indent="-228600" algn="l" defTabSz="914400" rtl="0" eaLnBrk="1" latinLnBrk="1" hangingPunct="1">
-              <a:lnSpc>
-                <a:spcPct val="90000"/>
-              </a:lnSpc>
-              <a:spcBef>
-                <a:spcPts val="500"/>
-              </a:spcBef>
-              <a:buFont typeface="Arial" panose="020B0604020202020204" pitchFamily="34" charset="0"/>
-              <a:buChar char="•"/>
-              <a:defRPr sz="1800" kern="1200">
-                <a:solidFill>
-                  <a:schemeClr val="tx1"/>
-                </a:solidFill>
-                <a:latin typeface="+mn-lt"/>
-                <a:ea typeface="+mn-ea"/>
-                <a:cs typeface="+mn-cs"/>
-              </a:defRPr>
-            </a:lvl9pPr>
-          </a:lstStyle>
-          <a:p>
-            <a:pPr lvl="1"/>
-            <a:r>
-              <a:rPr lang="ko-KR" altLang="en-US" sz="1600" dirty="0">
-                <a:solidFill>
-                  <a:srgbClr val="000000"/>
-                </a:solidFill>
-                <a:latin typeface="+mn-ea"/>
-              </a:rPr>
-              <a:t>동적으로 객체 속성 추가하기</a:t>
-            </a:r>
-            <a:r>
-              <a:rPr lang="en-US" altLang="ko-KR" sz="1600" dirty="0">
-                <a:solidFill>
-                  <a:srgbClr val="000000"/>
-                </a:solidFill>
-                <a:latin typeface="+mn-ea"/>
-              </a:rPr>
-              <a:t>(</a:t>
-            </a:r>
-            <a:r>
-              <a:rPr lang="ko-KR" altLang="en-US" sz="1600" dirty="0">
-                <a:solidFill>
-                  <a:srgbClr val="000000"/>
-                </a:solidFill>
-                <a:latin typeface="+mn-ea"/>
-              </a:rPr>
-              <a:t>소스 코드 </a:t>
-            </a:r>
-            <a:r>
-              <a:rPr lang="en-US" altLang="ko-KR" sz="1600" dirty="0">
-                <a:solidFill>
-                  <a:srgbClr val="000000"/>
-                </a:solidFill>
-                <a:latin typeface="+mn-ea"/>
-              </a:rPr>
-              <a:t>6-1-2.html)</a:t>
-            </a:r>
-          </a:p>
-          <a:p>
-            <a:pPr lvl="1"/>
-            <a:endParaRPr lang="en-US" altLang="ko-KR" sz="1600" dirty="0">
-              <a:solidFill>
-                <a:srgbClr val="000000"/>
-              </a:solidFill>
-              <a:latin typeface="+mn-ea"/>
-            </a:endParaRPr>
-          </a:p>
-          <a:p>
-            <a:pPr lvl="1"/>
-            <a:endParaRPr lang="en-US" altLang="ko-KR" sz="1600" dirty="0">
-              <a:solidFill>
-                <a:srgbClr val="000000"/>
-              </a:solidFill>
-              <a:latin typeface="+mn-ea"/>
-            </a:endParaRPr>
-          </a:p>
-          <a:p>
-            <a:pPr lvl="1"/>
-            <a:endParaRPr lang="en-US" altLang="ko-KR" sz="1600" dirty="0">
-              <a:solidFill>
-                <a:srgbClr val="000000"/>
-              </a:solidFill>
-              <a:latin typeface="+mn-ea"/>
-            </a:endParaRPr>
-          </a:p>
-          <a:p>
-            <a:pPr lvl="1"/>
-            <a:endParaRPr lang="en-US" altLang="ko-KR" sz="1600" dirty="0">
-              <a:solidFill>
-                <a:srgbClr val="000000"/>
-              </a:solidFill>
-              <a:latin typeface="+mn-ea"/>
-            </a:endParaRPr>
-          </a:p>
-          <a:p>
-            <a:pPr lvl="1"/>
-            <a:endParaRPr lang="en-US" altLang="ko-KR" sz="1600" dirty="0">
-              <a:solidFill>
-                <a:srgbClr val="000000"/>
-              </a:solidFill>
-              <a:latin typeface="+mn-ea"/>
-            </a:endParaRPr>
-          </a:p>
-          <a:p>
-            <a:pPr lvl="1"/>
-            <a:endParaRPr lang="en-US" altLang="ko-KR" sz="1600" dirty="0">
-              <a:solidFill>
-                <a:srgbClr val="000000"/>
-              </a:solidFill>
-              <a:latin typeface="+mn-ea"/>
-            </a:endParaRPr>
-          </a:p>
-          <a:p>
-            <a:pPr lvl="1"/>
-            <a:endParaRPr lang="en-US" altLang="ko-KR" sz="1600" dirty="0">
-              <a:solidFill>
-                <a:srgbClr val="000000"/>
-              </a:solidFill>
-              <a:latin typeface="+mn-ea"/>
-            </a:endParaRPr>
-          </a:p>
-          <a:p>
-            <a:pPr lvl="1"/>
-            <a:endParaRPr lang="en-US" altLang="ko-KR" sz="1600" dirty="0">
-              <a:solidFill>
-                <a:srgbClr val="000000"/>
-              </a:solidFill>
-              <a:latin typeface="+mn-ea"/>
-            </a:endParaRPr>
-          </a:p>
-          <a:p>
-            <a:pPr lvl="1"/>
-            <a:endParaRPr lang="en-US" altLang="ko-KR" sz="1600" dirty="0">
-              <a:solidFill>
-                <a:srgbClr val="000000"/>
-              </a:solidFill>
-              <a:latin typeface="+mn-ea"/>
-            </a:endParaRPr>
-          </a:p>
-          <a:p>
-            <a:pPr lvl="1"/>
-            <a:endParaRPr lang="en-US" altLang="ko-KR" sz="1600" dirty="0">
-              <a:solidFill>
-                <a:srgbClr val="000000"/>
-              </a:solidFill>
-              <a:latin typeface="+mn-ea"/>
-            </a:endParaRPr>
-          </a:p>
-          <a:p>
-            <a:pPr lvl="1"/>
-            <a:endParaRPr lang="en-US" altLang="ko-KR" sz="1600" dirty="0">
-              <a:solidFill>
-                <a:srgbClr val="000000"/>
-              </a:solidFill>
-              <a:latin typeface="+mn-ea"/>
-            </a:endParaRPr>
-          </a:p>
-        </p:txBody>
-      </p:sp>
       <p:graphicFrame>
         <p:nvGraphicFramePr>
           <p:cNvPr id="4" name="Table 4">
@@ -32595,10 +31262,16 @@
           <p:cNvGraphicFramePr>
             <a:graphicFrameLocks noGrp="1"/>
           </p:cNvGraphicFramePr>
-          <p:nvPr/>
+          <p:nvPr>
+            <p:extLst>
+              <p:ext uri="{D42A27DB-BD31-4B8C-83A1-F6EECF244321}">
+                <p14:modId xmlns:p14="http://schemas.microsoft.com/office/powerpoint/2010/main" val="1734075667"/>
+              </p:ext>
+            </p:extLst>
+          </p:nvPr>
         </p:nvGraphicFramePr>
         <p:xfrm>
-          <a:off x="1540328" y="1935229"/>
+          <a:off x="636814" y="1516129"/>
           <a:ext cx="5076092" cy="2529840"/>
         </p:xfrm>
         <a:graphic>
@@ -32981,7 +31654,7 @@
         </p:blipFill>
         <p:spPr>
           <a:xfrm>
-            <a:off x="6881183" y="2162464"/>
+            <a:off x="6153696" y="1516129"/>
             <a:ext cx="3208018" cy="2220936"/>
           </a:xfrm>
           <a:prstGeom prst="rect">
@@ -33090,8 +31763,8 @@
         </p:nvSpPr>
         <p:spPr>
           <a:xfrm>
-            <a:off x="455474" y="1026972"/>
-            <a:ext cx="11281052" cy="4999638"/>
+            <a:off x="79359" y="1248449"/>
+            <a:ext cx="6637127" cy="646789"/>
           </a:xfrm>
           <a:prstGeom prst="rect">
             <a:avLst/>
@@ -33266,34 +31939,17 @@
             </a:lvl9pPr>
           </a:lstStyle>
           <a:p>
-            <a:r>
-              <a:rPr lang="ko-KR" altLang="en-US">
+            <a:pPr lvl="1"/>
+            <a:r>
+              <a:rPr lang="ko-KR" altLang="en-US" sz="1600" dirty="0">
                 <a:solidFill>
                   <a:srgbClr val="000000"/>
                 </a:solidFill>
                 <a:latin typeface="+mn-ea"/>
               </a:rPr>
-              <a:t>동적으로 객체 속성 추가</a:t>
-            </a:r>
-            <a:r>
-              <a:rPr lang="en-US" altLang="ko-KR">
-                <a:solidFill>
-                  <a:srgbClr val="000000"/>
-                </a:solidFill>
-                <a:latin typeface="+mn-ea"/>
-              </a:rPr>
-              <a:t>/</a:t>
-            </a:r>
-            <a:r>
-              <a:rPr lang="ko-KR" altLang="en-US">
-                <a:solidFill>
-                  <a:srgbClr val="000000"/>
-                </a:solidFill>
-                <a:latin typeface="+mn-ea"/>
-              </a:rPr>
-              <a:t>제거</a:t>
-            </a:r>
-            <a:endParaRPr lang="en-US" altLang="ko-KR">
+              <a:t>동적으로 객체 속성 제거하기</a:t>
+            </a:r>
+            <a:endParaRPr lang="en-US" altLang="ko-KR" sz="1600" dirty="0">
               <a:solidFill>
                 <a:srgbClr val="000000"/>
               </a:solidFill>
@@ -33301,17 +31957,26 @@
             </a:endParaRPr>
           </a:p>
           <a:p>
-            <a:pPr lvl="1"/>
-            <a:r>
-              <a:rPr lang="ko-KR" altLang="en-US" sz="1600">
+            <a:pPr lvl="2"/>
+            <a:r>
+              <a:rPr lang="en-US" altLang="ko-KR" sz="1400" dirty="0">
                 <a:solidFill>
                   <a:srgbClr val="000000"/>
                 </a:solidFill>
                 <a:latin typeface="+mn-ea"/>
               </a:rPr>
-              <a:t>동적으로 객체 속성 제거하기</a:t>
-            </a:r>
-            <a:endParaRPr lang="en-US" altLang="ko-KR" sz="1600">
+              <a:t>delete </a:t>
+            </a:r>
+            <a:r>
+              <a:rPr lang="ko-KR" altLang="en-US" sz="1400" dirty="0">
+                <a:solidFill>
+                  <a:srgbClr val="000000"/>
+                </a:solidFill>
+                <a:latin typeface="+mn-ea"/>
+              </a:rPr>
+              <a:t>키워드 사용</a:t>
+            </a:r>
+            <a:endParaRPr lang="en-US" altLang="ko-KR" sz="1600" dirty="0">
               <a:solidFill>
                 <a:srgbClr val="000000"/>
               </a:solidFill>
@@ -33319,26 +31984,8 @@
             </a:endParaRPr>
           </a:p>
           <a:p>
-            <a:pPr lvl="2"/>
-            <a:r>
-              <a:rPr lang="en-US" altLang="ko-KR" sz="1400">
-                <a:solidFill>
-                  <a:srgbClr val="000000"/>
-                </a:solidFill>
-                <a:latin typeface="+mn-ea"/>
-              </a:rPr>
-              <a:t>delete </a:t>
-            </a:r>
-            <a:r>
-              <a:rPr lang="ko-KR" altLang="en-US" sz="1400">
-                <a:solidFill>
-                  <a:srgbClr val="000000"/>
-                </a:solidFill>
-                <a:latin typeface="+mn-ea"/>
-              </a:rPr>
-              <a:t>키워드 사용</a:t>
-            </a:r>
-            <a:endParaRPr lang="en-US" altLang="ko-KR" sz="1400">
+            <a:pPr lvl="1"/>
+            <a:endParaRPr lang="en-US" altLang="ko-KR" sz="1600" dirty="0">
               <a:solidFill>
                 <a:srgbClr val="000000"/>
               </a:solidFill>
@@ -33346,8 +31993,8 @@
             </a:endParaRPr>
           </a:p>
           <a:p>
-            <a:pPr lvl="2"/>
-            <a:endParaRPr lang="en-US" altLang="ko-KR" sz="1400">
+            <a:pPr lvl="1"/>
+            <a:endParaRPr lang="en-US" altLang="ko-KR" sz="1600" dirty="0">
               <a:solidFill>
                 <a:srgbClr val="000000"/>
               </a:solidFill>
@@ -33355,8 +32002,8 @@
             </a:endParaRPr>
           </a:p>
           <a:p>
-            <a:pPr lvl="2"/>
-            <a:endParaRPr lang="en-US" altLang="ko-KR" sz="1400">
+            <a:pPr lvl="1"/>
+            <a:endParaRPr lang="en-US" altLang="ko-KR" sz="1600" dirty="0">
               <a:solidFill>
                 <a:srgbClr val="000000"/>
               </a:solidFill>
@@ -33365,46 +32012,7 @@
           </a:p>
           <a:p>
             <a:pPr lvl="1"/>
-            <a:r>
-              <a:rPr lang="ko-KR" altLang="en-US" sz="1600">
-                <a:solidFill>
-                  <a:srgbClr val="000000"/>
-                </a:solidFill>
-                <a:latin typeface="+mn-ea"/>
-              </a:rPr>
-              <a:t>동적으로 객체 속성 제거하기 </a:t>
-            </a:r>
-            <a:r>
-              <a:rPr lang="en-US" altLang="ko-KR" sz="1600">
-                <a:solidFill>
-                  <a:srgbClr val="000000"/>
-                </a:solidFill>
-                <a:latin typeface="+mn-ea"/>
-              </a:rPr>
-              <a:t>(</a:t>
-            </a:r>
-            <a:r>
-              <a:rPr lang="ko-KR" altLang="en-US" sz="1600">
-                <a:solidFill>
-                  <a:srgbClr val="000000"/>
-                </a:solidFill>
-                <a:latin typeface="+mn-ea"/>
-              </a:rPr>
-              <a:t>소스 코드 </a:t>
-            </a:r>
-            <a:r>
-              <a:rPr lang="en-US" altLang="ko-KR" sz="1600">
-                <a:solidFill>
-                  <a:srgbClr val="000000"/>
-                </a:solidFill>
-                <a:latin typeface="+mn-ea"/>
-              </a:rPr>
-              <a:t>6-1-3.html)</a:t>
-            </a:r>
-          </a:p>
-          <a:p>
-            <a:pPr lvl="1"/>
-            <a:endParaRPr lang="en-US" altLang="ko-KR" sz="1600">
+            <a:endParaRPr lang="en-US" altLang="ko-KR" sz="1600" dirty="0">
               <a:solidFill>
                 <a:srgbClr val="000000"/>
               </a:solidFill>
@@ -33413,7 +32021,7 @@
           </a:p>
           <a:p>
             <a:pPr lvl="1"/>
-            <a:endParaRPr lang="en-US" altLang="ko-KR" sz="1600">
+            <a:endParaRPr lang="en-US" altLang="ko-KR" sz="1600" dirty="0">
               <a:solidFill>
                 <a:srgbClr val="000000"/>
               </a:solidFill>
@@ -33422,7 +32030,7 @@
           </a:p>
           <a:p>
             <a:pPr lvl="1"/>
-            <a:endParaRPr lang="en-US" altLang="ko-KR" sz="1600">
+            <a:endParaRPr lang="en-US" altLang="ko-KR" sz="1600" dirty="0">
               <a:solidFill>
                 <a:srgbClr val="000000"/>
               </a:solidFill>
@@ -33431,7 +32039,7 @@
           </a:p>
           <a:p>
             <a:pPr lvl="1"/>
-            <a:endParaRPr lang="en-US" altLang="ko-KR" sz="1600">
+            <a:endParaRPr lang="en-US" altLang="ko-KR" sz="1600" dirty="0">
               <a:solidFill>
                 <a:srgbClr val="000000"/>
               </a:solidFill>
@@ -33440,43 +32048,7 @@
           </a:p>
           <a:p>
             <a:pPr lvl="1"/>
-            <a:endParaRPr lang="en-US" altLang="ko-KR" sz="1600">
-              <a:solidFill>
-                <a:srgbClr val="000000"/>
-              </a:solidFill>
-              <a:latin typeface="+mn-ea"/>
-            </a:endParaRPr>
-          </a:p>
-          <a:p>
-            <a:pPr lvl="1"/>
-            <a:endParaRPr lang="en-US" altLang="ko-KR" sz="1600">
-              <a:solidFill>
-                <a:srgbClr val="000000"/>
-              </a:solidFill>
-              <a:latin typeface="+mn-ea"/>
-            </a:endParaRPr>
-          </a:p>
-          <a:p>
-            <a:pPr lvl="1"/>
-            <a:endParaRPr lang="en-US" altLang="ko-KR" sz="1600">
-              <a:solidFill>
-                <a:srgbClr val="000000"/>
-              </a:solidFill>
-              <a:latin typeface="+mn-ea"/>
-            </a:endParaRPr>
-          </a:p>
-          <a:p>
-            <a:pPr lvl="1"/>
-            <a:endParaRPr lang="en-US" altLang="ko-KR" sz="1600">
-              <a:solidFill>
-                <a:srgbClr val="000000"/>
-              </a:solidFill>
-              <a:latin typeface="+mn-ea"/>
-            </a:endParaRPr>
-          </a:p>
-          <a:p>
-            <a:pPr lvl="1"/>
-            <a:endParaRPr lang="en-US" altLang="ko-KR" sz="1600">
+            <a:endParaRPr lang="en-US" altLang="ko-KR" sz="1600" dirty="0">
               <a:solidFill>
                 <a:srgbClr val="000000"/>
               </a:solidFill>
@@ -33631,10 +32203,16 @@
           <p:cNvGraphicFramePr>
             <a:graphicFrameLocks noGrp="1"/>
           </p:cNvGraphicFramePr>
-          <p:nvPr/>
+          <p:nvPr>
+            <p:extLst>
+              <p:ext uri="{D42A27DB-BD31-4B8C-83A1-F6EECF244321}">
+                <p14:modId xmlns:p14="http://schemas.microsoft.com/office/powerpoint/2010/main" val="2546005255"/>
+              </p:ext>
+            </p:extLst>
+          </p:nvPr>
         </p:nvGraphicFramePr>
         <p:xfrm>
-          <a:off x="1492459" y="3218141"/>
+          <a:off x="942730" y="3187742"/>
           <a:ext cx="4700954" cy="3261360"/>
         </p:xfrm>
         <a:graphic>
@@ -34082,7 +32660,7 @@
         </p:blipFill>
         <p:spPr>
           <a:xfrm>
-            <a:off x="6833314" y="4125854"/>
+            <a:off x="6289028" y="3187742"/>
             <a:ext cx="3208018" cy="1833153"/>
           </a:xfrm>
           <a:prstGeom prst="rect">
@@ -34141,6 +32719,41 @@
                 <a:cs typeface="KoPubWorld돋움체 Bold" panose="00000800000000000000" pitchFamily="2" charset="-127"/>
               </a:rPr>
               <a:t>제거</a:t>
+            </a:r>
+          </a:p>
+        </p:txBody>
+      </p:sp>
+      <p:sp>
+        <p:nvSpPr>
+          <p:cNvPr id="8" name="TextBox 7">
+            <a:extLst>
+              <a:ext uri="{FF2B5EF4-FFF2-40B4-BE49-F238E27FC236}">
+                <a16:creationId xmlns:a16="http://schemas.microsoft.com/office/drawing/2014/main" id="{9FD2AE8E-8A6A-681F-263A-6794C5B9BC90}"/>
+              </a:ext>
+            </a:extLst>
+          </p:cNvPr>
+          <p:cNvSpPr txBox="1"/>
+          <p:nvPr/>
+        </p:nvSpPr>
+        <p:spPr>
+          <a:xfrm>
+            <a:off x="821871" y="2707526"/>
+            <a:ext cx="3390900" cy="369332"/>
+          </a:xfrm>
+          <a:prstGeom prst="rect">
+            <a:avLst/>
+          </a:prstGeom>
+          <a:noFill/>
+        </p:spPr>
+        <p:txBody>
+          <a:bodyPr wrap="square">
+            <a:spAutoFit/>
+          </a:bodyPr>
+          <a:lstStyle/>
+          <a:p>
+            <a:r>
+              <a:rPr lang="ko-KR" altLang="en-US" dirty="0"/>
+              <a:t>동적으로 객체 속성 제거하기 </a:t>
             </a:r>
           </a:p>
         </p:txBody>
